--- a/code/html/��ҳ 2��ԭ��.pptx
+++ b/code/html/��ҳ 2��ԭ��.pptx
@@ -6,6 +6,7 @@
   </p:sldMasterIdLst>
   <p:sldIdLst>
     <p:sldId id="256" r:id="rId2"/>
+    <p:sldId id="257" r:id="rId3"/>
   </p:sldIdLst>
   <p:sldSz cx="9144000" cy="6858000" type="screen4x3"/>
   <p:notesSz cx="6858000" cy="9144000"/>
@@ -139,6 +140,9 @@
             <a:off x="685800" y="2130425"/>
             <a:ext cx="7772400" cy="1470025"/>
           </a:xfrm>
+          <a:prstGeom prst="rect">
+            <a:avLst/>
+          </a:prstGeom>
         </p:spPr>
         <p:txBody>
           <a:bodyPr/>
@@ -167,6 +171,9 @@
             <a:off x="1371600" y="3886200"/>
             <a:ext cx="6400800" cy="1752600"/>
           </a:xfrm>
+          <a:prstGeom prst="rect">
+            <a:avLst/>
+          </a:prstGeom>
         </p:spPr>
         <p:txBody>
           <a:bodyPr/>
@@ -281,7 +288,15 @@
             <p:ph type="dt" sz="half" idx="10"/>
           </p:nvPr>
         </p:nvSpPr>
-        <p:spPr/>
+        <p:spPr>
+          <a:xfrm>
+            <a:off x="457200" y="6356350"/>
+            <a:ext cx="2133600" cy="365125"/>
+          </a:xfrm>
+          <a:prstGeom prst="rect">
+            <a:avLst/>
+          </a:prstGeom>
+        </p:spPr>
         <p:txBody>
           <a:bodyPr/>
           <a:lstStyle/>
@@ -304,7 +319,15 @@
             <p:ph type="ftr" sz="quarter" idx="11"/>
           </p:nvPr>
         </p:nvSpPr>
-        <p:spPr/>
+        <p:spPr>
+          <a:xfrm>
+            <a:off x="3124200" y="6356350"/>
+            <a:ext cx="2895600" cy="365125"/>
+          </a:xfrm>
+          <a:prstGeom prst="rect">
+            <a:avLst/>
+          </a:prstGeom>
+        </p:spPr>
         <p:txBody>
           <a:bodyPr/>
           <a:lstStyle/>
@@ -323,7 +346,15 @@
             <p:ph type="sldNum" sz="quarter" idx="12"/>
           </p:nvPr>
         </p:nvSpPr>
-        <p:spPr/>
+        <p:spPr>
+          <a:xfrm>
+            <a:off x="6553200" y="6356350"/>
+            <a:ext cx="2133600" cy="365125"/>
+          </a:xfrm>
+          <a:prstGeom prst="rect">
+            <a:avLst/>
+          </a:prstGeom>
+        </p:spPr>
         <p:txBody>
           <a:bodyPr/>
           <a:lstStyle/>
@@ -346,6 +377,13 @@
   <p:clrMapOvr>
     <a:masterClrMapping/>
   </p:clrMapOvr>
+  <p:timing>
+    <p:tnLst>
+      <p:par>
+        <p:cTn id="1" dur="indefinite" restart="never" nodeType="tmRoot"/>
+      </p:par>
+    </p:tnLst>
+  </p:timing>
 </p:sldLayout>
 </file>
 
@@ -376,7 +414,15 @@
             <p:ph type="title"/>
           </p:nvPr>
         </p:nvSpPr>
-        <p:spPr/>
+        <p:spPr>
+          <a:xfrm>
+            <a:off x="457200" y="274638"/>
+            <a:ext cx="8229600" cy="1143000"/>
+          </a:xfrm>
+          <a:prstGeom prst="rect">
+            <a:avLst/>
+          </a:prstGeom>
+        </p:spPr>
         <p:txBody>
           <a:bodyPr/>
           <a:lstStyle/>
@@ -399,7 +445,15 @@
             <p:ph type="body" orient="vert" idx="1"/>
           </p:nvPr>
         </p:nvSpPr>
-        <p:spPr/>
+        <p:spPr>
+          <a:xfrm>
+            <a:off x="457200" y="1600200"/>
+            <a:ext cx="8229600" cy="4525963"/>
+          </a:xfrm>
+          <a:prstGeom prst="rect">
+            <a:avLst/>
+          </a:prstGeom>
+        </p:spPr>
         <p:txBody>
           <a:bodyPr vert="eaVert"/>
           <a:lstStyle/>
@@ -451,7 +505,15 @@
             <p:ph type="dt" sz="half" idx="10"/>
           </p:nvPr>
         </p:nvSpPr>
-        <p:spPr/>
+        <p:spPr>
+          <a:xfrm>
+            <a:off x="457200" y="6356350"/>
+            <a:ext cx="2133600" cy="365125"/>
+          </a:xfrm>
+          <a:prstGeom prst="rect">
+            <a:avLst/>
+          </a:prstGeom>
+        </p:spPr>
         <p:txBody>
           <a:bodyPr/>
           <a:lstStyle/>
@@ -474,7 +536,15 @@
             <p:ph type="ftr" sz="quarter" idx="11"/>
           </p:nvPr>
         </p:nvSpPr>
-        <p:spPr/>
+        <p:spPr>
+          <a:xfrm>
+            <a:off x="3124200" y="6356350"/>
+            <a:ext cx="2895600" cy="365125"/>
+          </a:xfrm>
+          <a:prstGeom prst="rect">
+            <a:avLst/>
+          </a:prstGeom>
+        </p:spPr>
         <p:txBody>
           <a:bodyPr/>
           <a:lstStyle/>
@@ -493,7 +563,15 @@
             <p:ph type="sldNum" sz="quarter" idx="12"/>
           </p:nvPr>
         </p:nvSpPr>
-        <p:spPr/>
+        <p:spPr>
+          <a:xfrm>
+            <a:off x="6553200" y="6356350"/>
+            <a:ext cx="2133600" cy="365125"/>
+          </a:xfrm>
+          <a:prstGeom prst="rect">
+            <a:avLst/>
+          </a:prstGeom>
+        </p:spPr>
         <p:txBody>
           <a:bodyPr/>
           <a:lstStyle/>
@@ -551,6 +629,9 @@
             <a:off x="6629400" y="274638"/>
             <a:ext cx="2057400" cy="5851525"/>
           </a:xfrm>
+          <a:prstGeom prst="rect">
+            <a:avLst/>
+          </a:prstGeom>
         </p:spPr>
         <p:txBody>
           <a:bodyPr vert="eaVert"/>
@@ -579,6 +660,9 @@
             <a:off x="457200" y="274638"/>
             <a:ext cx="6019800" cy="5851525"/>
           </a:xfrm>
+          <a:prstGeom prst="rect">
+            <a:avLst/>
+          </a:prstGeom>
         </p:spPr>
         <p:txBody>
           <a:bodyPr vert="eaVert"/>
@@ -631,7 +715,15 @@
             <p:ph type="dt" sz="half" idx="10"/>
           </p:nvPr>
         </p:nvSpPr>
-        <p:spPr/>
+        <p:spPr>
+          <a:xfrm>
+            <a:off x="457200" y="6356350"/>
+            <a:ext cx="2133600" cy="365125"/>
+          </a:xfrm>
+          <a:prstGeom prst="rect">
+            <a:avLst/>
+          </a:prstGeom>
+        </p:spPr>
         <p:txBody>
           <a:bodyPr/>
           <a:lstStyle/>
@@ -654,7 +746,15 @@
             <p:ph type="ftr" sz="quarter" idx="11"/>
           </p:nvPr>
         </p:nvSpPr>
-        <p:spPr/>
+        <p:spPr>
+          <a:xfrm>
+            <a:off x="3124200" y="6356350"/>
+            <a:ext cx="2895600" cy="365125"/>
+          </a:xfrm>
+          <a:prstGeom prst="rect">
+            <a:avLst/>
+          </a:prstGeom>
+        </p:spPr>
         <p:txBody>
           <a:bodyPr/>
           <a:lstStyle/>
@@ -673,7 +773,15 @@
             <p:ph type="sldNum" sz="quarter" idx="12"/>
           </p:nvPr>
         </p:nvSpPr>
-        <p:spPr/>
+        <p:spPr>
+          <a:xfrm>
+            <a:off x="6553200" y="6356350"/>
+            <a:ext cx="2133600" cy="365125"/>
+          </a:xfrm>
+          <a:prstGeom prst="rect">
+            <a:avLst/>
+          </a:prstGeom>
+        </p:spPr>
         <p:txBody>
           <a:bodyPr/>
           <a:lstStyle/>
@@ -726,7 +834,15 @@
             <p:ph type="title"/>
           </p:nvPr>
         </p:nvSpPr>
-        <p:spPr/>
+        <p:spPr>
+          <a:xfrm>
+            <a:off x="457200" y="274638"/>
+            <a:ext cx="8229600" cy="1143000"/>
+          </a:xfrm>
+          <a:prstGeom prst="rect">
+            <a:avLst/>
+          </a:prstGeom>
+        </p:spPr>
         <p:txBody>
           <a:bodyPr/>
           <a:lstStyle/>
@@ -749,7 +865,15 @@
             <p:ph idx="1"/>
           </p:nvPr>
         </p:nvSpPr>
-        <p:spPr/>
+        <p:spPr>
+          <a:xfrm>
+            <a:off x="457200" y="1600200"/>
+            <a:ext cx="8229600" cy="4525963"/>
+          </a:xfrm>
+          <a:prstGeom prst="rect">
+            <a:avLst/>
+          </a:prstGeom>
+        </p:spPr>
         <p:txBody>
           <a:bodyPr/>
           <a:lstStyle/>
@@ -801,7 +925,15 @@
             <p:ph type="dt" sz="half" idx="10"/>
           </p:nvPr>
         </p:nvSpPr>
-        <p:spPr/>
+        <p:spPr>
+          <a:xfrm>
+            <a:off x="457200" y="6356350"/>
+            <a:ext cx="2133600" cy="365125"/>
+          </a:xfrm>
+          <a:prstGeom prst="rect">
+            <a:avLst/>
+          </a:prstGeom>
+        </p:spPr>
         <p:txBody>
           <a:bodyPr/>
           <a:lstStyle/>
@@ -824,7 +956,15 @@
             <p:ph type="ftr" sz="quarter" idx="11"/>
           </p:nvPr>
         </p:nvSpPr>
-        <p:spPr/>
+        <p:spPr>
+          <a:xfrm>
+            <a:off x="3124200" y="6356350"/>
+            <a:ext cx="2895600" cy="365125"/>
+          </a:xfrm>
+          <a:prstGeom prst="rect">
+            <a:avLst/>
+          </a:prstGeom>
+        </p:spPr>
         <p:txBody>
           <a:bodyPr/>
           <a:lstStyle/>
@@ -843,7 +983,15 @@
             <p:ph type="sldNum" sz="quarter" idx="12"/>
           </p:nvPr>
         </p:nvSpPr>
-        <p:spPr/>
+        <p:spPr>
+          <a:xfrm>
+            <a:off x="6553200" y="6356350"/>
+            <a:ext cx="2133600" cy="365125"/>
+          </a:xfrm>
+          <a:prstGeom prst="rect">
+            <a:avLst/>
+          </a:prstGeom>
+        </p:spPr>
         <p:txBody>
           <a:bodyPr/>
           <a:lstStyle/>
@@ -866,6 +1014,13 @@
   <p:clrMapOvr>
     <a:masterClrMapping/>
   </p:clrMapOvr>
+  <p:timing>
+    <p:tnLst>
+      <p:par>
+        <p:cTn id="1" dur="indefinite" restart="never" nodeType="tmRoot"/>
+      </p:par>
+    </p:tnLst>
+  </p:timing>
 </p:sldLayout>
 </file>
 
@@ -901,6 +1056,9 @@
             <a:off x="722313" y="4406900"/>
             <a:ext cx="7772400" cy="1362075"/>
           </a:xfrm>
+          <a:prstGeom prst="rect">
+            <a:avLst/>
+          </a:prstGeom>
         </p:spPr>
         <p:txBody>
           <a:bodyPr anchor="t"/>
@@ -933,6 +1091,9 @@
             <a:off x="722313" y="2906713"/>
             <a:ext cx="7772400" cy="1500187"/>
           </a:xfrm>
+          <a:prstGeom prst="rect">
+            <a:avLst/>
+          </a:prstGeom>
         </p:spPr>
         <p:txBody>
           <a:bodyPr anchor="b"/>
@@ -1047,7 +1208,15 @@
             <p:ph type="dt" sz="half" idx="10"/>
           </p:nvPr>
         </p:nvSpPr>
-        <p:spPr/>
+        <p:spPr>
+          <a:xfrm>
+            <a:off x="457200" y="6356350"/>
+            <a:ext cx="2133600" cy="365125"/>
+          </a:xfrm>
+          <a:prstGeom prst="rect">
+            <a:avLst/>
+          </a:prstGeom>
+        </p:spPr>
         <p:txBody>
           <a:bodyPr/>
           <a:lstStyle/>
@@ -1070,7 +1239,15 @@
             <p:ph type="ftr" sz="quarter" idx="11"/>
           </p:nvPr>
         </p:nvSpPr>
-        <p:spPr/>
+        <p:spPr>
+          <a:xfrm>
+            <a:off x="3124200" y="6356350"/>
+            <a:ext cx="2895600" cy="365125"/>
+          </a:xfrm>
+          <a:prstGeom prst="rect">
+            <a:avLst/>
+          </a:prstGeom>
+        </p:spPr>
         <p:txBody>
           <a:bodyPr/>
           <a:lstStyle/>
@@ -1089,7 +1266,15 @@
             <p:ph type="sldNum" sz="quarter" idx="12"/>
           </p:nvPr>
         </p:nvSpPr>
-        <p:spPr/>
+        <p:spPr>
+          <a:xfrm>
+            <a:off x="6553200" y="6356350"/>
+            <a:ext cx="2133600" cy="365125"/>
+          </a:xfrm>
+          <a:prstGeom prst="rect">
+            <a:avLst/>
+          </a:prstGeom>
+        </p:spPr>
         <p:txBody>
           <a:bodyPr/>
           <a:lstStyle/>
@@ -1142,7 +1327,15 @@
             <p:ph type="title"/>
           </p:nvPr>
         </p:nvSpPr>
-        <p:spPr/>
+        <p:spPr>
+          <a:xfrm>
+            <a:off x="457200" y="274638"/>
+            <a:ext cx="8229600" cy="1143000"/>
+          </a:xfrm>
+          <a:prstGeom prst="rect">
+            <a:avLst/>
+          </a:prstGeom>
+        </p:spPr>
         <p:txBody>
           <a:bodyPr/>
           <a:lstStyle/>
@@ -1170,6 +1363,9 @@
             <a:off x="457200" y="1600200"/>
             <a:ext cx="4038600" cy="4525963"/>
           </a:xfrm>
+          <a:prstGeom prst="rect">
+            <a:avLst/>
+          </a:prstGeom>
         </p:spPr>
         <p:txBody>
           <a:bodyPr/>
@@ -1255,6 +1451,9 @@
             <a:off x="4648200" y="1600200"/>
             <a:ext cx="4038600" cy="4525963"/>
           </a:xfrm>
+          <a:prstGeom prst="rect">
+            <a:avLst/>
+          </a:prstGeom>
         </p:spPr>
         <p:txBody>
           <a:bodyPr/>
@@ -1335,7 +1534,15 @@
             <p:ph type="dt" sz="half" idx="10"/>
           </p:nvPr>
         </p:nvSpPr>
-        <p:spPr/>
+        <p:spPr>
+          <a:xfrm>
+            <a:off x="457200" y="6356350"/>
+            <a:ext cx="2133600" cy="365125"/>
+          </a:xfrm>
+          <a:prstGeom prst="rect">
+            <a:avLst/>
+          </a:prstGeom>
+        </p:spPr>
         <p:txBody>
           <a:bodyPr/>
           <a:lstStyle/>
@@ -1358,7 +1565,15 @@
             <p:ph type="ftr" sz="quarter" idx="11"/>
           </p:nvPr>
         </p:nvSpPr>
-        <p:spPr/>
+        <p:spPr>
+          <a:xfrm>
+            <a:off x="3124200" y="6356350"/>
+            <a:ext cx="2895600" cy="365125"/>
+          </a:xfrm>
+          <a:prstGeom prst="rect">
+            <a:avLst/>
+          </a:prstGeom>
+        </p:spPr>
         <p:txBody>
           <a:bodyPr/>
           <a:lstStyle/>
@@ -1377,7 +1592,15 @@
             <p:ph type="sldNum" sz="quarter" idx="12"/>
           </p:nvPr>
         </p:nvSpPr>
-        <p:spPr/>
+        <p:spPr>
+          <a:xfrm>
+            <a:off x="6553200" y="6356350"/>
+            <a:ext cx="2133600" cy="365125"/>
+          </a:xfrm>
+          <a:prstGeom prst="rect">
+            <a:avLst/>
+          </a:prstGeom>
+        </p:spPr>
         <p:txBody>
           <a:bodyPr/>
           <a:lstStyle/>
@@ -1430,7 +1653,15 @@
             <p:ph type="title"/>
           </p:nvPr>
         </p:nvSpPr>
-        <p:spPr/>
+        <p:spPr>
+          <a:xfrm>
+            <a:off x="457200" y="274638"/>
+            <a:ext cx="8229600" cy="1143000"/>
+          </a:xfrm>
+          <a:prstGeom prst="rect">
+            <a:avLst/>
+          </a:prstGeom>
+        </p:spPr>
         <p:txBody>
           <a:bodyPr/>
           <a:lstStyle>
@@ -1462,6 +1693,9 @@
             <a:off x="457200" y="1535113"/>
             <a:ext cx="4040188" cy="639762"/>
           </a:xfrm>
+          <a:prstGeom prst="rect">
+            <a:avLst/>
+          </a:prstGeom>
         </p:spPr>
         <p:txBody>
           <a:bodyPr anchor="b"/>
@@ -1527,6 +1761,9 @@
             <a:off x="457200" y="2174875"/>
             <a:ext cx="4040188" cy="3951288"/>
           </a:xfrm>
+          <a:prstGeom prst="rect">
+            <a:avLst/>
+          </a:prstGeom>
         </p:spPr>
         <p:txBody>
           <a:bodyPr/>
@@ -1612,6 +1849,9 @@
             <a:off x="4645025" y="1535113"/>
             <a:ext cx="4041775" cy="639762"/>
           </a:xfrm>
+          <a:prstGeom prst="rect">
+            <a:avLst/>
+          </a:prstGeom>
         </p:spPr>
         <p:txBody>
           <a:bodyPr anchor="b"/>
@@ -1677,6 +1917,9 @@
             <a:off x="4645025" y="2174875"/>
             <a:ext cx="4041775" cy="3951288"/>
           </a:xfrm>
+          <a:prstGeom prst="rect">
+            <a:avLst/>
+          </a:prstGeom>
         </p:spPr>
         <p:txBody>
           <a:bodyPr/>
@@ -1757,7 +2000,15 @@
             <p:ph type="dt" sz="half" idx="10"/>
           </p:nvPr>
         </p:nvSpPr>
-        <p:spPr/>
+        <p:spPr>
+          <a:xfrm>
+            <a:off x="457200" y="6356350"/>
+            <a:ext cx="2133600" cy="365125"/>
+          </a:xfrm>
+          <a:prstGeom prst="rect">
+            <a:avLst/>
+          </a:prstGeom>
+        </p:spPr>
         <p:txBody>
           <a:bodyPr/>
           <a:lstStyle/>
@@ -1780,7 +2031,15 @@
             <p:ph type="ftr" sz="quarter" idx="11"/>
           </p:nvPr>
         </p:nvSpPr>
-        <p:spPr/>
+        <p:spPr>
+          <a:xfrm>
+            <a:off x="3124200" y="6356350"/>
+            <a:ext cx="2895600" cy="365125"/>
+          </a:xfrm>
+          <a:prstGeom prst="rect">
+            <a:avLst/>
+          </a:prstGeom>
+        </p:spPr>
         <p:txBody>
           <a:bodyPr/>
           <a:lstStyle/>
@@ -1799,7 +2058,15 @@
             <p:ph type="sldNum" sz="quarter" idx="12"/>
           </p:nvPr>
         </p:nvSpPr>
-        <p:spPr/>
+        <p:spPr>
+          <a:xfrm>
+            <a:off x="6553200" y="6356350"/>
+            <a:ext cx="2133600" cy="365125"/>
+          </a:xfrm>
+          <a:prstGeom prst="rect">
+            <a:avLst/>
+          </a:prstGeom>
+        </p:spPr>
         <p:txBody>
           <a:bodyPr/>
           <a:lstStyle/>
@@ -1852,7 +2119,15 @@
             <p:ph type="title"/>
           </p:nvPr>
         </p:nvSpPr>
-        <p:spPr/>
+        <p:spPr>
+          <a:xfrm>
+            <a:off x="457200" y="274638"/>
+            <a:ext cx="8229600" cy="1143000"/>
+          </a:xfrm>
+          <a:prstGeom prst="rect">
+            <a:avLst/>
+          </a:prstGeom>
+        </p:spPr>
         <p:txBody>
           <a:bodyPr/>
           <a:lstStyle/>
@@ -1875,7 +2150,15 @@
             <p:ph type="dt" sz="half" idx="10"/>
           </p:nvPr>
         </p:nvSpPr>
-        <p:spPr/>
+        <p:spPr>
+          <a:xfrm>
+            <a:off x="457200" y="6356350"/>
+            <a:ext cx="2133600" cy="365125"/>
+          </a:xfrm>
+          <a:prstGeom prst="rect">
+            <a:avLst/>
+          </a:prstGeom>
+        </p:spPr>
         <p:txBody>
           <a:bodyPr/>
           <a:lstStyle/>
@@ -1898,7 +2181,15 @@
             <p:ph type="ftr" sz="quarter" idx="11"/>
           </p:nvPr>
         </p:nvSpPr>
-        <p:spPr/>
+        <p:spPr>
+          <a:xfrm>
+            <a:off x="3124200" y="6356350"/>
+            <a:ext cx="2895600" cy="365125"/>
+          </a:xfrm>
+          <a:prstGeom prst="rect">
+            <a:avLst/>
+          </a:prstGeom>
+        </p:spPr>
         <p:txBody>
           <a:bodyPr/>
           <a:lstStyle/>
@@ -1917,7 +2208,15 @@
             <p:ph type="sldNum" sz="quarter" idx="12"/>
           </p:nvPr>
         </p:nvSpPr>
-        <p:spPr/>
+        <p:spPr>
+          <a:xfrm>
+            <a:off x="6553200" y="6356350"/>
+            <a:ext cx="2133600" cy="365125"/>
+          </a:xfrm>
+          <a:prstGeom prst="rect">
+            <a:avLst/>
+          </a:prstGeom>
+        </p:spPr>
         <p:txBody>
           <a:bodyPr/>
           <a:lstStyle/>
@@ -1970,7 +2269,15 @@
             <p:ph type="dt" sz="half" idx="10"/>
           </p:nvPr>
         </p:nvSpPr>
-        <p:spPr/>
+        <p:spPr>
+          <a:xfrm>
+            <a:off x="457200" y="6356350"/>
+            <a:ext cx="2133600" cy="365125"/>
+          </a:xfrm>
+          <a:prstGeom prst="rect">
+            <a:avLst/>
+          </a:prstGeom>
+        </p:spPr>
         <p:txBody>
           <a:bodyPr/>
           <a:lstStyle/>
@@ -1993,7 +2300,15 @@
             <p:ph type="ftr" sz="quarter" idx="11"/>
           </p:nvPr>
         </p:nvSpPr>
-        <p:spPr/>
+        <p:spPr>
+          <a:xfrm>
+            <a:off x="3124200" y="6356350"/>
+            <a:ext cx="2895600" cy="365125"/>
+          </a:xfrm>
+          <a:prstGeom prst="rect">
+            <a:avLst/>
+          </a:prstGeom>
+        </p:spPr>
         <p:txBody>
           <a:bodyPr/>
           <a:lstStyle/>
@@ -2012,7 +2327,15 @@
             <p:ph type="sldNum" sz="quarter" idx="12"/>
           </p:nvPr>
         </p:nvSpPr>
-        <p:spPr/>
+        <p:spPr>
+          <a:xfrm>
+            <a:off x="6553200" y="6356350"/>
+            <a:ext cx="2133600" cy="365125"/>
+          </a:xfrm>
+          <a:prstGeom prst="rect">
+            <a:avLst/>
+          </a:prstGeom>
+        </p:spPr>
         <p:txBody>
           <a:bodyPr/>
           <a:lstStyle/>
@@ -2070,6 +2393,9 @@
             <a:off x="457200" y="273050"/>
             <a:ext cx="3008313" cy="1162050"/>
           </a:xfrm>
+          <a:prstGeom prst="rect">
+            <a:avLst/>
+          </a:prstGeom>
         </p:spPr>
         <p:txBody>
           <a:bodyPr anchor="b"/>
@@ -2102,6 +2428,9 @@
             <a:off x="3575050" y="273050"/>
             <a:ext cx="5111750" cy="5853113"/>
           </a:xfrm>
+          <a:prstGeom prst="rect">
+            <a:avLst/>
+          </a:prstGeom>
         </p:spPr>
         <p:txBody>
           <a:bodyPr/>
@@ -2187,6 +2516,9 @@
             <a:off x="457200" y="1435100"/>
             <a:ext cx="3008313" cy="4691063"/>
           </a:xfrm>
+          <a:prstGeom prst="rect">
+            <a:avLst/>
+          </a:prstGeom>
         </p:spPr>
         <p:txBody>
           <a:bodyPr/>
@@ -2247,7 +2579,15 @@
             <p:ph type="dt" sz="half" idx="10"/>
           </p:nvPr>
         </p:nvSpPr>
-        <p:spPr/>
+        <p:spPr>
+          <a:xfrm>
+            <a:off x="457200" y="6356350"/>
+            <a:ext cx="2133600" cy="365125"/>
+          </a:xfrm>
+          <a:prstGeom prst="rect">
+            <a:avLst/>
+          </a:prstGeom>
+        </p:spPr>
         <p:txBody>
           <a:bodyPr/>
           <a:lstStyle/>
@@ -2270,7 +2610,15 @@
             <p:ph type="ftr" sz="quarter" idx="11"/>
           </p:nvPr>
         </p:nvSpPr>
-        <p:spPr/>
+        <p:spPr>
+          <a:xfrm>
+            <a:off x="3124200" y="6356350"/>
+            <a:ext cx="2895600" cy="365125"/>
+          </a:xfrm>
+          <a:prstGeom prst="rect">
+            <a:avLst/>
+          </a:prstGeom>
+        </p:spPr>
         <p:txBody>
           <a:bodyPr/>
           <a:lstStyle/>
@@ -2289,7 +2637,15 @@
             <p:ph type="sldNum" sz="quarter" idx="12"/>
           </p:nvPr>
         </p:nvSpPr>
-        <p:spPr/>
+        <p:spPr>
+          <a:xfrm>
+            <a:off x="6553200" y="6356350"/>
+            <a:ext cx="2133600" cy="365125"/>
+          </a:xfrm>
+          <a:prstGeom prst="rect">
+            <a:avLst/>
+          </a:prstGeom>
+        </p:spPr>
         <p:txBody>
           <a:bodyPr/>
           <a:lstStyle/>
@@ -2347,6 +2703,9 @@
             <a:off x="1792288" y="4800600"/>
             <a:ext cx="5486400" cy="566738"/>
           </a:xfrm>
+          <a:prstGeom prst="rect">
+            <a:avLst/>
+          </a:prstGeom>
         </p:spPr>
         <p:txBody>
           <a:bodyPr anchor="b"/>
@@ -2379,6 +2738,9 @@
             <a:off x="1792288" y="612775"/>
             <a:ext cx="5486400" cy="4114800"/>
           </a:xfrm>
+          <a:prstGeom prst="rect">
+            <a:avLst/>
+          </a:prstGeom>
         </p:spPr>
         <p:txBody>
           <a:bodyPr/>
@@ -2440,6 +2802,9 @@
             <a:off x="1792288" y="5367338"/>
             <a:ext cx="5486400" cy="804862"/>
           </a:xfrm>
+          <a:prstGeom prst="rect">
+            <a:avLst/>
+          </a:prstGeom>
         </p:spPr>
         <p:txBody>
           <a:bodyPr/>
@@ -2500,7 +2865,15 @@
             <p:ph type="dt" sz="half" idx="10"/>
           </p:nvPr>
         </p:nvSpPr>
-        <p:spPr/>
+        <p:spPr>
+          <a:xfrm>
+            <a:off x="457200" y="6356350"/>
+            <a:ext cx="2133600" cy="365125"/>
+          </a:xfrm>
+          <a:prstGeom prst="rect">
+            <a:avLst/>
+          </a:prstGeom>
+        </p:spPr>
         <p:txBody>
           <a:bodyPr/>
           <a:lstStyle/>
@@ -2523,7 +2896,15 @@
             <p:ph type="ftr" sz="quarter" idx="11"/>
           </p:nvPr>
         </p:nvSpPr>
-        <p:spPr/>
+        <p:spPr>
+          <a:xfrm>
+            <a:off x="3124200" y="6356350"/>
+            <a:ext cx="2895600" cy="365125"/>
+          </a:xfrm>
+          <a:prstGeom prst="rect">
+            <a:avLst/>
+          </a:prstGeom>
+        </p:spPr>
         <p:txBody>
           <a:bodyPr/>
           <a:lstStyle/>
@@ -2542,7 +2923,15 @@
             <p:ph type="sldNum" sz="quarter" idx="12"/>
           </p:nvPr>
         </p:nvSpPr>
-        <p:spPr/>
+        <p:spPr>
+          <a:xfrm>
+            <a:off x="6553200" y="6356350"/>
+            <a:ext cx="2133600" cy="365125"/>
+          </a:xfrm>
+          <a:prstGeom prst="rect">
+            <a:avLst/>
+          </a:prstGeom>
+        </p:spPr>
         <p:txBody>
           <a:bodyPr/>
           <a:lstStyle/>
@@ -2592,218 +2981,409 @@
       </p:grpSpPr>
       <p:sp>
         <p:nvSpPr>
-          <p:cNvPr id="2" name="标题占位符 1"/>
-          <p:cNvSpPr>
-            <a:spLocks noGrp="1"/>
-          </p:cNvSpPr>
-          <p:nvPr>
-            <p:ph type="title"/>
-          </p:nvPr>
-        </p:nvSpPr>
-        <p:spPr>
-          <a:xfrm>
-            <a:off x="457200" y="274638"/>
-            <a:ext cx="8229600" cy="1143000"/>
-          </a:xfrm>
-          <a:prstGeom prst="rect">
-            <a:avLst/>
-          </a:prstGeom>
-        </p:spPr>
-        <p:txBody>
-          <a:bodyPr vert="horz" lIns="91440" tIns="45720" rIns="91440" bIns="45720" rtlCol="0" anchor="ctr">
-            <a:normAutofit/>
+          <p:cNvPr id="7" name="矩形 6"/>
+          <p:cNvSpPr/>
+          <p:nvPr userDrawn="1"/>
+        </p:nvSpPr>
+        <p:spPr>
+          <a:xfrm>
+            <a:off x="0" y="0"/>
+            <a:ext cx="9144000" cy="7821488"/>
+          </a:xfrm>
+          <a:prstGeom prst="rect">
+            <a:avLst/>
+          </a:prstGeom>
+          <a:solidFill>
+            <a:schemeClr val="bg1">
+              <a:lumMod val="95000"/>
+            </a:schemeClr>
+          </a:solidFill>
+          <a:ln>
+            <a:noFill/>
+          </a:ln>
+        </p:spPr>
+        <p:style>
+          <a:lnRef idx="2">
+            <a:schemeClr val="accent1">
+              <a:shade val="50000"/>
+            </a:schemeClr>
+          </a:lnRef>
+          <a:fillRef idx="1">
+            <a:schemeClr val="accent1"/>
+          </a:fillRef>
+          <a:effectRef idx="0">
+            <a:schemeClr val="accent1"/>
+          </a:effectRef>
+          <a:fontRef idx="minor">
+            <a:schemeClr val="lt1"/>
+          </a:fontRef>
+        </p:style>
+        <p:txBody>
+          <a:bodyPr rtlCol="0" anchor="ctr"/>
+          <a:lstStyle/>
+          <a:p>
+            <a:pPr algn="ctr"/>
+            <a:endParaRPr lang="zh-CN" altLang="en-US"/>
+          </a:p>
+        </p:txBody>
+      </p:sp>
+      <p:sp>
+        <p:nvSpPr>
+          <p:cNvPr id="8" name="矩形 7"/>
+          <p:cNvSpPr/>
+          <p:nvPr userDrawn="1"/>
+        </p:nvSpPr>
+        <p:spPr>
+          <a:xfrm>
+            <a:off x="-5704" y="0"/>
+            <a:ext cx="9201688" cy="1196752"/>
+          </a:xfrm>
+          <a:prstGeom prst="rect">
+            <a:avLst/>
+          </a:prstGeom>
+          <a:solidFill>
+            <a:schemeClr val="tx2">
+              <a:lumMod val="40000"/>
+              <a:lumOff val="60000"/>
+              <a:alpha val="22000"/>
+            </a:schemeClr>
+          </a:solidFill>
+          <a:ln>
+            <a:noFill/>
+          </a:ln>
+        </p:spPr>
+        <p:style>
+          <a:lnRef idx="2">
+            <a:schemeClr val="accent1">
+              <a:shade val="50000"/>
+            </a:schemeClr>
+          </a:lnRef>
+          <a:fillRef idx="1">
+            <a:schemeClr val="accent1"/>
+          </a:fillRef>
+          <a:effectRef idx="0">
+            <a:schemeClr val="accent1"/>
+          </a:effectRef>
+          <a:fontRef idx="minor">
+            <a:schemeClr val="lt1"/>
+          </a:fontRef>
+        </p:style>
+        <p:txBody>
+          <a:bodyPr rtlCol="0" anchor="ctr"/>
+          <a:lstStyle/>
+          <a:p>
+            <a:pPr algn="ctr"/>
+            <a:endParaRPr lang="zh-CN" altLang="en-US"/>
+          </a:p>
+        </p:txBody>
+      </p:sp>
+      <p:sp>
+        <p:nvSpPr>
+          <p:cNvPr id="15" name="TextBox 14"/>
+          <p:cNvSpPr txBox="1"/>
+          <p:nvPr userDrawn="1"/>
+        </p:nvSpPr>
+        <p:spPr>
+          <a:xfrm>
+            <a:off x="5940152" y="166779"/>
+            <a:ext cx="1247766" cy="369332"/>
+          </a:xfrm>
+          <a:prstGeom prst="rect">
+            <a:avLst/>
+          </a:prstGeom>
+          <a:noFill/>
+        </p:spPr>
+        <p:txBody>
+          <a:bodyPr wrap="square" rtlCol="0">
+            <a:spAutoFit/>
           </a:bodyPr>
           <a:lstStyle/>
           <a:p>
             <a:r>
-              <a:rPr lang="zh-CN" altLang="en-US" smtClean="0"/>
-              <a:t>单击此处编辑母版标题样式</a:t>
-            </a:r>
-            <a:endParaRPr lang="zh-CN" altLang="en-US"/>
-          </a:p>
-        </p:txBody>
-      </p:sp>
-      <p:sp>
-        <p:nvSpPr>
-          <p:cNvPr id="3" name="文本占位符 2"/>
-          <p:cNvSpPr>
-            <a:spLocks noGrp="1"/>
-          </p:cNvSpPr>
-          <p:nvPr>
-            <p:ph type="body" idx="1"/>
-          </p:nvPr>
-        </p:nvSpPr>
-        <p:spPr>
-          <a:xfrm>
-            <a:off x="457200" y="1600200"/>
-            <a:ext cx="8229600" cy="4525963"/>
-          </a:xfrm>
-          <a:prstGeom prst="rect">
-            <a:avLst/>
-          </a:prstGeom>
-        </p:spPr>
-        <p:txBody>
-          <a:bodyPr vert="horz" lIns="91440" tIns="45720" rIns="91440" bIns="45720" rtlCol="0">
-            <a:normAutofit/>
-          </a:bodyPr>
-          <a:lstStyle/>
-          <a:p>
-            <a:pPr lvl="0"/>
-            <a:r>
-              <a:rPr lang="zh-CN" altLang="en-US" smtClean="0"/>
-              <a:t>单击此处编辑母版文本样式</a:t>
-            </a:r>
-          </a:p>
-          <a:p>
-            <a:pPr lvl="1"/>
-            <a:r>
-              <a:rPr lang="zh-CN" altLang="en-US" smtClean="0"/>
-              <a:t>第二级</a:t>
-            </a:r>
-          </a:p>
-          <a:p>
-            <a:pPr lvl="2"/>
-            <a:r>
-              <a:rPr lang="zh-CN" altLang="en-US" smtClean="0"/>
-              <a:t>第三级</a:t>
-            </a:r>
-          </a:p>
-          <a:p>
-            <a:pPr lvl="3"/>
-            <a:r>
-              <a:rPr lang="zh-CN" altLang="en-US" smtClean="0"/>
-              <a:t>第四级</a:t>
-            </a:r>
-          </a:p>
-          <a:p>
-            <a:pPr lvl="4"/>
-            <a:r>
-              <a:rPr lang="zh-CN" altLang="en-US" smtClean="0"/>
-              <a:t>第五级</a:t>
-            </a:r>
-            <a:endParaRPr lang="zh-CN" altLang="en-US"/>
-          </a:p>
-        </p:txBody>
-      </p:sp>
-      <p:sp>
-        <p:nvSpPr>
-          <p:cNvPr id="4" name="日期占位符 3"/>
-          <p:cNvSpPr>
-            <a:spLocks noGrp="1"/>
-          </p:cNvSpPr>
-          <p:nvPr>
-            <p:ph type="dt" sz="half" idx="2"/>
-          </p:nvPr>
-        </p:nvSpPr>
-        <p:spPr>
-          <a:xfrm>
-            <a:off x="457200" y="6356350"/>
-            <a:ext cx="2133600" cy="365125"/>
-          </a:xfrm>
-          <a:prstGeom prst="rect">
-            <a:avLst/>
-          </a:prstGeom>
-        </p:spPr>
-        <p:txBody>
-          <a:bodyPr vert="horz" lIns="91440" tIns="45720" rIns="91440" bIns="45720" rtlCol="0" anchor="ctr"/>
-          <a:lstStyle>
-            <a:lvl1pPr algn="l">
-              <a:defRPr sz="1200">
+              <a:rPr lang="zh-CN" altLang="en-US" dirty="0" smtClean="0">
                 <a:solidFill>
                   <a:schemeClr val="tx1">
-                    <a:tint val="75000"/>
+                    <a:lumMod val="75000"/>
+                    <a:lumOff val="25000"/>
                   </a:schemeClr>
                 </a:solidFill>
-              </a:defRPr>
-            </a:lvl1pPr>
-          </a:lstStyle>
-          <a:p>
-            <a:fld id="{6A8F5A1C-9DD2-4D64-8B41-2888591A0D3A}" type="datetimeFigureOut">
-              <a:rPr lang="zh-CN" altLang="en-US" smtClean="0"/>
-              <a:t>2011/11/17</a:t>
-            </a:fld>
-            <a:endParaRPr lang="zh-CN" altLang="en-US"/>
-          </a:p>
-        </p:txBody>
-      </p:sp>
-      <p:sp>
-        <p:nvSpPr>
-          <p:cNvPr id="5" name="页脚占位符 4"/>
-          <p:cNvSpPr>
-            <a:spLocks noGrp="1"/>
-          </p:cNvSpPr>
-          <p:nvPr>
-            <p:ph type="ftr" sz="quarter" idx="3"/>
-          </p:nvPr>
-        </p:nvSpPr>
-        <p:spPr>
-          <a:xfrm>
-            <a:off x="3124200" y="6356350"/>
-            <a:ext cx="2895600" cy="365125"/>
-          </a:xfrm>
-          <a:prstGeom prst="rect">
-            <a:avLst/>
-          </a:prstGeom>
-        </p:spPr>
-        <p:txBody>
-          <a:bodyPr vert="horz" lIns="91440" tIns="45720" rIns="91440" bIns="45720" rtlCol="0" anchor="ctr"/>
-          <a:lstStyle>
-            <a:lvl1pPr algn="ctr">
-              <a:defRPr sz="1200">
+              </a:rPr>
+              <a:t>设为首页</a:t>
+            </a:r>
+            <a:endParaRPr lang="zh-CN" altLang="en-US" dirty="0">
+              <a:solidFill>
+                <a:schemeClr val="tx1">
+                  <a:lumMod val="75000"/>
+                  <a:lumOff val="25000"/>
+                </a:schemeClr>
+              </a:solidFill>
+            </a:endParaRPr>
+          </a:p>
+        </p:txBody>
+      </p:sp>
+      <p:sp>
+        <p:nvSpPr>
+          <p:cNvPr id="16" name="TextBox 15"/>
+          <p:cNvSpPr txBox="1"/>
+          <p:nvPr userDrawn="1"/>
+        </p:nvSpPr>
+        <p:spPr>
+          <a:xfrm>
+            <a:off x="7356682" y="140735"/>
+            <a:ext cx="1247766" cy="369332"/>
+          </a:xfrm>
+          <a:prstGeom prst="rect">
+            <a:avLst/>
+          </a:prstGeom>
+          <a:noFill/>
+        </p:spPr>
+        <p:txBody>
+          <a:bodyPr wrap="square" rtlCol="0">
+            <a:spAutoFit/>
+          </a:bodyPr>
+          <a:lstStyle/>
+          <a:p>
+            <a:r>
+              <a:rPr lang="zh-CN" altLang="en-US" dirty="0" smtClean="0">
                 <a:solidFill>
                   <a:schemeClr val="tx1">
-                    <a:tint val="75000"/>
+                    <a:lumMod val="75000"/>
+                    <a:lumOff val="25000"/>
                   </a:schemeClr>
                 </a:solidFill>
-              </a:defRPr>
-            </a:lvl1pPr>
-          </a:lstStyle>
-          <a:p>
-            <a:endParaRPr lang="zh-CN" altLang="en-US"/>
-          </a:p>
-        </p:txBody>
-      </p:sp>
-      <p:sp>
-        <p:nvSpPr>
-          <p:cNvPr id="6" name="灯片编号占位符 5"/>
-          <p:cNvSpPr>
-            <a:spLocks noGrp="1"/>
-          </p:cNvSpPr>
-          <p:nvPr>
-            <p:ph type="sldNum" sz="quarter" idx="4"/>
-          </p:nvPr>
-        </p:nvSpPr>
-        <p:spPr>
-          <a:xfrm>
-            <a:off x="6553200" y="6356350"/>
-            <a:ext cx="2133600" cy="365125"/>
-          </a:xfrm>
-          <a:prstGeom prst="rect">
-            <a:avLst/>
-          </a:prstGeom>
-        </p:spPr>
-        <p:txBody>
-          <a:bodyPr vert="horz" lIns="91440" tIns="45720" rIns="91440" bIns="45720" rtlCol="0" anchor="ctr"/>
-          <a:lstStyle>
-            <a:lvl1pPr algn="r">
-              <a:defRPr sz="1200">
+              </a:rPr>
+              <a:t>添加收藏</a:t>
+            </a:r>
+            <a:endParaRPr lang="zh-CN" altLang="en-US" dirty="0">
+              <a:solidFill>
+                <a:schemeClr val="tx1">
+                  <a:lumMod val="75000"/>
+                  <a:lumOff val="25000"/>
+                </a:schemeClr>
+              </a:solidFill>
+            </a:endParaRPr>
+          </a:p>
+        </p:txBody>
+      </p:sp>
+      <p:sp>
+        <p:nvSpPr>
+          <p:cNvPr id="17" name="矩形 16"/>
+          <p:cNvSpPr/>
+          <p:nvPr userDrawn="1"/>
+        </p:nvSpPr>
+        <p:spPr>
+          <a:xfrm>
+            <a:off x="6092991" y="598376"/>
+            <a:ext cx="2655473" cy="454360"/>
+          </a:xfrm>
+          <a:prstGeom prst="rect">
+            <a:avLst/>
+          </a:prstGeom>
+          <a:solidFill>
+            <a:schemeClr val="accent1">
+              <a:alpha val="39000"/>
+            </a:schemeClr>
+          </a:solidFill>
+          <a:ln>
+            <a:noFill/>
+          </a:ln>
+        </p:spPr>
+        <p:style>
+          <a:lnRef idx="2">
+            <a:schemeClr val="accent1">
+              <a:shade val="50000"/>
+            </a:schemeClr>
+          </a:lnRef>
+          <a:fillRef idx="1">
+            <a:schemeClr val="accent1"/>
+          </a:fillRef>
+          <a:effectRef idx="0">
+            <a:schemeClr val="accent1"/>
+          </a:effectRef>
+          <a:fontRef idx="minor">
+            <a:schemeClr val="lt1"/>
+          </a:fontRef>
+        </p:style>
+        <p:txBody>
+          <a:bodyPr rtlCol="0" anchor="ctr"/>
+          <a:lstStyle/>
+          <a:p>
+            <a:pPr algn="ctr"/>
+            <a:r>
+              <a:rPr lang="en-US" altLang="zh-CN" dirty="0" smtClean="0"/>
+              <a:t>logon</a:t>
+            </a:r>
+            <a:endParaRPr lang="zh-CN" altLang="en-US" dirty="0"/>
+          </a:p>
+        </p:txBody>
+      </p:sp>
+      <p:cxnSp>
+        <p:nvCxnSpPr>
+          <p:cNvPr id="22" name="直接连接符 21"/>
+          <p:cNvCxnSpPr/>
+          <p:nvPr userDrawn="1"/>
+        </p:nvCxnSpPr>
+        <p:spPr>
+          <a:xfrm>
+            <a:off x="90726" y="7495941"/>
+            <a:ext cx="9105258" cy="0"/>
+          </a:xfrm>
+          <a:prstGeom prst="line">
+            <a:avLst/>
+          </a:prstGeom>
+          <a:ln w="28575"/>
+        </p:spPr>
+        <p:style>
+          <a:lnRef idx="1">
+            <a:schemeClr val="accent1"/>
+          </a:lnRef>
+          <a:fillRef idx="0">
+            <a:schemeClr val="accent1"/>
+          </a:fillRef>
+          <a:effectRef idx="0">
+            <a:schemeClr val="accent1"/>
+          </a:effectRef>
+          <a:fontRef idx="minor">
+            <a:schemeClr val="tx1"/>
+          </a:fontRef>
+        </p:style>
+      </p:cxnSp>
+      <p:sp>
+        <p:nvSpPr>
+          <p:cNvPr id="23" name="TextBox 22"/>
+          <p:cNvSpPr txBox="1"/>
+          <p:nvPr userDrawn="1"/>
+        </p:nvSpPr>
+        <p:spPr>
+          <a:xfrm>
+            <a:off x="2943154" y="7495941"/>
+            <a:ext cx="3384376" cy="369332"/>
+          </a:xfrm>
+          <a:prstGeom prst="rect">
+            <a:avLst/>
+          </a:prstGeom>
+          <a:noFill/>
+        </p:spPr>
+        <p:txBody>
+          <a:bodyPr wrap="square" rtlCol="0">
+            <a:spAutoFit/>
+          </a:bodyPr>
+          <a:lstStyle/>
+          <a:p>
+            <a:r>
+              <a:rPr lang="en-US" altLang="zh-CN" b="1" dirty="0" smtClean="0">
                 <a:solidFill>
-                  <a:schemeClr val="tx1">
-                    <a:tint val="75000"/>
+                  <a:schemeClr val="bg1">
+                    <a:lumMod val="65000"/>
                   </a:schemeClr>
                 </a:solidFill>
-              </a:defRPr>
-            </a:lvl1pPr>
-          </a:lstStyle>
-          <a:p>
-            <a:fld id="{211FB235-095C-482F-B544-A49F703FCF64}" type="slidenum">
-              <a:rPr lang="zh-CN" altLang="en-US" smtClean="0"/>
-              <a:t>‹#›</a:t>
-            </a:fld>
-            <a:endParaRPr lang="zh-CN" altLang="en-US"/>
-          </a:p>
-        </p:txBody>
-      </p:sp>
+                <a:latin typeface="微软雅黑" pitchFamily="34" charset="-122"/>
+                <a:ea typeface="微软雅黑" pitchFamily="34" charset="-122"/>
+              </a:rPr>
+              <a:t>®</a:t>
+            </a:r>
+            <a:r>
+              <a:rPr lang="en-US" altLang="zh-CN" sz="1600" b="1" dirty="0" smtClean="0">
+                <a:solidFill>
+                  <a:schemeClr val="bg1">
+                    <a:lumMod val="50000"/>
+                  </a:schemeClr>
+                </a:solidFill>
+                <a:latin typeface="微软雅黑" pitchFamily="34" charset="-122"/>
+                <a:ea typeface="微软雅黑" pitchFamily="34" charset="-122"/>
+              </a:rPr>
+              <a:t> </a:t>
+            </a:r>
+            <a:r>
+              <a:rPr lang="en-US" altLang="zh-CN" sz="1600" dirty="0" smtClean="0">
+                <a:solidFill>
+                  <a:schemeClr val="bg1">
+                    <a:lumMod val="50000"/>
+                  </a:schemeClr>
+                </a:solidFill>
+              </a:rPr>
+              <a:t>2011</a:t>
+            </a:r>
+            <a:r>
+              <a:rPr lang="en-US" altLang="zh-CN" dirty="0" smtClean="0">
+                <a:solidFill>
+                  <a:schemeClr val="bg1">
+                    <a:lumMod val="50000"/>
+                  </a:schemeClr>
+                </a:solidFill>
+              </a:rPr>
+              <a:t> </a:t>
+            </a:r>
+            <a:r>
+              <a:rPr lang="en-US" altLang="zh-CN" b="1" dirty="0" smtClean="0">
+                <a:solidFill>
+                  <a:schemeClr val="tx2">
+                    <a:lumMod val="75000"/>
+                  </a:schemeClr>
+                </a:solidFill>
+              </a:rPr>
+              <a:t>EISS </a:t>
+            </a:r>
+            <a:r>
+              <a:rPr lang="zh-CN" altLang="en-US" b="1" dirty="0" smtClean="0">
+                <a:solidFill>
+                  <a:schemeClr val="tx2">
+                    <a:lumMod val="75000"/>
+                  </a:schemeClr>
+                </a:solidFill>
+              </a:rPr>
+              <a:t>开发团队 </a:t>
+            </a:r>
+            <a:r>
+              <a:rPr lang="zh-CN" altLang="en-US" sz="1600" dirty="0" smtClean="0">
+                <a:solidFill>
+                  <a:schemeClr val="bg1">
+                    <a:lumMod val="50000"/>
+                  </a:schemeClr>
+                </a:solidFill>
+              </a:rPr>
+              <a:t>版权所有</a:t>
+            </a:r>
+            <a:endParaRPr lang="zh-CN" altLang="en-US" sz="1600" dirty="0">
+              <a:solidFill>
+                <a:schemeClr val="bg1">
+                  <a:lumMod val="50000"/>
+                </a:schemeClr>
+              </a:solidFill>
+            </a:endParaRPr>
+          </a:p>
+        </p:txBody>
+      </p:sp>
+      <p:pic>
+        <p:nvPicPr>
+          <p:cNvPr id="33" name="图片 32"/>
+          <p:cNvPicPr>
+            <a:picLocks noChangeAspect="1"/>
+          </p:cNvPicPr>
+          <p:nvPr userDrawn="1"/>
+        </p:nvPicPr>
+        <p:blipFill>
+          <a:blip r:embed="rId13" cstate="print">
+            <a:extLst>
+              <a:ext uri="{28A0092B-C50C-407E-A947-70E740481C1C}">
+                <a14:useLocalDpi xmlns:a14="http://schemas.microsoft.com/office/drawing/2010/main" val="0"/>
+              </a:ext>
+            </a:extLst>
+          </a:blip>
+          <a:stretch>
+            <a:fillRect/>
+          </a:stretch>
+        </p:blipFill>
+        <p:spPr>
+          <a:xfrm>
+            <a:off x="-321169" y="22116"/>
+            <a:ext cx="2816470" cy="1323023"/>
+          </a:xfrm>
+          <a:prstGeom prst="rect">
+            <a:avLst/>
+          </a:prstGeom>
+        </p:spPr>
+      </p:pic>
     </p:spTree>
     <p:extLst>
       <p:ext uri="{BB962C8B-B14F-4D97-AF65-F5344CB8AC3E}">
@@ -2825,6 +3405,13 @@
     <p:sldLayoutId id="2147483658" r:id="rId10"/>
     <p:sldLayoutId id="2147483659" r:id="rId11"/>
   </p:sldLayoutIdLst>
+  <p:timing>
+    <p:tnLst>
+      <p:par>
+        <p:cTn id="1" dur="indefinite" restart="never" nodeType="tmRoot"/>
+      </p:par>
+    </p:tnLst>
+  </p:timing>
   <p:txStyles>
     <p:titleStyle>
       <a:lvl1pPr algn="ctr" defTabSz="914400" rtl="0" eaLnBrk="1" latinLnBrk="0" hangingPunct="1">
@@ -4673,8 +5260,8 @@
           <a:lstStyle/>
           <a:p>
             <a:r>
-              <a:rPr lang="en-US" altLang="zh-CN" dirty="0" smtClean="0"/>
-              <a:t>service</a:t>
+              <a:rPr lang="zh-CN" altLang="en-US" dirty="0" smtClean="0"/>
+              <a:t>服务</a:t>
             </a:r>
             <a:endParaRPr lang="zh-CN" altLang="en-US" dirty="0"/>
           </a:p>
@@ -4744,6 +5331,1391 @@
     <p:extLst>
       <p:ext uri="{BB962C8B-B14F-4D97-AF65-F5344CB8AC3E}">
         <p14:creationId xmlns:p14="http://schemas.microsoft.com/office/powerpoint/2010/main" val="2279507733"/>
+      </p:ext>
+    </p:extLst>
+  </p:cSld>
+  <p:clrMapOvr>
+    <a:masterClrMapping/>
+  </p:clrMapOvr>
+  <p:timing>
+    <p:tnLst>
+      <p:par>
+        <p:cTn id="1" dur="indefinite" restart="never" nodeType="tmRoot"/>
+      </p:par>
+    </p:tnLst>
+  </p:timing>
+</p:sld>
+</file>
+
+<file path=ppt/slides/slide2.xml><?xml version="1.0" encoding="utf-8"?>
+<p:sld xmlns:a="http://schemas.openxmlformats.org/drawingml/2006/main" xmlns:r="http://schemas.openxmlformats.org/officeDocument/2006/relationships" xmlns:p="http://schemas.openxmlformats.org/presentationml/2006/main">
+  <p:cSld>
+    <p:spTree>
+      <p:nvGrpSpPr>
+        <p:cNvPr id="1" name=""/>
+        <p:cNvGrpSpPr/>
+        <p:nvPr/>
+      </p:nvGrpSpPr>
+      <p:grpSpPr>
+        <a:xfrm>
+          <a:off x="0" y="0"/>
+          <a:ext cx="0" cy="0"/>
+          <a:chOff x="0" y="0"/>
+          <a:chExt cx="0" cy="0"/>
+        </a:xfrm>
+      </p:grpSpPr>
+      <p:sp>
+        <p:nvSpPr>
+          <p:cNvPr id="5" name="矩形 4"/>
+          <p:cNvSpPr/>
+          <p:nvPr/>
+        </p:nvSpPr>
+        <p:spPr>
+          <a:xfrm>
+            <a:off x="-36512" y="1268760"/>
+            <a:ext cx="1584176" cy="6192688"/>
+          </a:xfrm>
+          <a:prstGeom prst="rect">
+            <a:avLst/>
+          </a:prstGeom>
+          <a:solidFill>
+            <a:schemeClr val="accent1">
+              <a:alpha val="39000"/>
+            </a:schemeClr>
+          </a:solidFill>
+          <a:ln>
+            <a:noFill/>
+          </a:ln>
+        </p:spPr>
+        <p:style>
+          <a:lnRef idx="2">
+            <a:schemeClr val="accent1">
+              <a:shade val="50000"/>
+            </a:schemeClr>
+          </a:lnRef>
+          <a:fillRef idx="1">
+            <a:schemeClr val="accent1"/>
+          </a:fillRef>
+          <a:effectRef idx="0">
+            <a:schemeClr val="accent1"/>
+          </a:effectRef>
+          <a:fontRef idx="minor">
+            <a:schemeClr val="lt1"/>
+          </a:fontRef>
+        </p:style>
+        <p:txBody>
+          <a:bodyPr rtlCol="0" anchor="ctr"/>
+          <a:lstStyle/>
+          <a:p>
+            <a:pPr algn="ctr"/>
+            <a:endParaRPr lang="zh-CN" altLang="en-US" dirty="0"/>
+          </a:p>
+        </p:txBody>
+      </p:sp>
+      <p:sp>
+        <p:nvSpPr>
+          <p:cNvPr id="6" name="矩形 5"/>
+          <p:cNvSpPr/>
+          <p:nvPr/>
+        </p:nvSpPr>
+        <p:spPr>
+          <a:xfrm>
+            <a:off x="-47540" y="2780928"/>
+            <a:ext cx="1584176" cy="288032"/>
+          </a:xfrm>
+          <a:prstGeom prst="rect">
+            <a:avLst/>
+          </a:prstGeom>
+          <a:solidFill>
+            <a:schemeClr val="accent1">
+              <a:alpha val="39000"/>
+            </a:schemeClr>
+          </a:solidFill>
+          <a:ln>
+            <a:noFill/>
+          </a:ln>
+        </p:spPr>
+        <p:style>
+          <a:lnRef idx="2">
+            <a:schemeClr val="accent1">
+              <a:shade val="50000"/>
+            </a:schemeClr>
+          </a:lnRef>
+          <a:fillRef idx="1">
+            <a:schemeClr val="accent1"/>
+          </a:fillRef>
+          <a:effectRef idx="0">
+            <a:schemeClr val="accent1"/>
+          </a:effectRef>
+          <a:fontRef idx="minor">
+            <a:schemeClr val="lt1"/>
+          </a:fontRef>
+        </p:style>
+        <p:txBody>
+          <a:bodyPr rtlCol="0" anchor="ctr"/>
+          <a:lstStyle/>
+          <a:p>
+            <a:pPr algn="ctr"/>
+            <a:r>
+              <a:rPr lang="zh-CN" altLang="en-US" dirty="0" smtClean="0"/>
+              <a:t>查询消费记录</a:t>
+            </a:r>
+            <a:endParaRPr lang="zh-CN" altLang="en-US" dirty="0"/>
+          </a:p>
+        </p:txBody>
+      </p:sp>
+      <p:sp>
+        <p:nvSpPr>
+          <p:cNvPr id="7" name="矩形 6"/>
+          <p:cNvSpPr/>
+          <p:nvPr/>
+        </p:nvSpPr>
+        <p:spPr>
+          <a:xfrm>
+            <a:off x="-16985" y="1268760"/>
+            <a:ext cx="1564649" cy="288032"/>
+          </a:xfrm>
+          <a:prstGeom prst="rect">
+            <a:avLst/>
+          </a:prstGeom>
+          <a:solidFill>
+            <a:schemeClr val="accent1">
+              <a:alpha val="39000"/>
+            </a:schemeClr>
+          </a:solidFill>
+          <a:ln>
+            <a:noFill/>
+          </a:ln>
+        </p:spPr>
+        <p:style>
+          <a:lnRef idx="2">
+            <a:schemeClr val="accent1">
+              <a:shade val="50000"/>
+            </a:schemeClr>
+          </a:lnRef>
+          <a:fillRef idx="1">
+            <a:schemeClr val="accent1"/>
+          </a:fillRef>
+          <a:effectRef idx="0">
+            <a:schemeClr val="accent1"/>
+          </a:effectRef>
+          <a:fontRef idx="minor">
+            <a:schemeClr val="lt1"/>
+          </a:fontRef>
+        </p:style>
+        <p:txBody>
+          <a:bodyPr rtlCol="0" anchor="ctr"/>
+          <a:lstStyle/>
+          <a:p>
+            <a:pPr algn="ctr"/>
+            <a:r>
+              <a:rPr lang="zh-CN" altLang="en-US" dirty="0" smtClean="0"/>
+              <a:t>添加消费记录</a:t>
+            </a:r>
+            <a:endParaRPr lang="zh-CN" altLang="en-US" dirty="0"/>
+          </a:p>
+        </p:txBody>
+      </p:sp>
+      <p:sp>
+        <p:nvSpPr>
+          <p:cNvPr id="8" name="矩形 7"/>
+          <p:cNvSpPr/>
+          <p:nvPr/>
+        </p:nvSpPr>
+        <p:spPr>
+          <a:xfrm>
+            <a:off x="-36512" y="3068960"/>
+            <a:ext cx="1584176" cy="288032"/>
+          </a:xfrm>
+          <a:prstGeom prst="rect">
+            <a:avLst/>
+          </a:prstGeom>
+          <a:solidFill>
+            <a:schemeClr val="accent1">
+              <a:alpha val="39000"/>
+            </a:schemeClr>
+          </a:solidFill>
+          <a:ln>
+            <a:noFill/>
+          </a:ln>
+        </p:spPr>
+        <p:style>
+          <a:lnRef idx="2">
+            <a:schemeClr val="accent1">
+              <a:shade val="50000"/>
+            </a:schemeClr>
+          </a:lnRef>
+          <a:fillRef idx="1">
+            <a:schemeClr val="accent1"/>
+          </a:fillRef>
+          <a:effectRef idx="0">
+            <a:schemeClr val="accent1"/>
+          </a:effectRef>
+          <a:fontRef idx="minor">
+            <a:schemeClr val="lt1"/>
+          </a:fontRef>
+        </p:style>
+        <p:txBody>
+          <a:bodyPr rtlCol="0" anchor="ctr"/>
+          <a:lstStyle/>
+          <a:p>
+            <a:pPr algn="ctr"/>
+            <a:r>
+              <a:rPr lang="zh-CN" altLang="en-US" dirty="0" smtClean="0"/>
+              <a:t>下载电子档</a:t>
+            </a:r>
+            <a:endParaRPr lang="zh-CN" altLang="en-US" dirty="0"/>
+          </a:p>
+        </p:txBody>
+      </p:sp>
+      <p:sp>
+        <p:nvSpPr>
+          <p:cNvPr id="9" name="矩形 8"/>
+          <p:cNvSpPr/>
+          <p:nvPr/>
+        </p:nvSpPr>
+        <p:spPr>
+          <a:xfrm>
+            <a:off x="0" y="3356992"/>
+            <a:ext cx="1547664" cy="288032"/>
+          </a:xfrm>
+          <a:prstGeom prst="rect">
+            <a:avLst/>
+          </a:prstGeom>
+          <a:solidFill>
+            <a:schemeClr val="accent1">
+              <a:alpha val="39000"/>
+            </a:schemeClr>
+          </a:solidFill>
+          <a:ln>
+            <a:noFill/>
+          </a:ln>
+        </p:spPr>
+        <p:style>
+          <a:lnRef idx="2">
+            <a:schemeClr val="accent1">
+              <a:shade val="50000"/>
+            </a:schemeClr>
+          </a:lnRef>
+          <a:fillRef idx="1">
+            <a:schemeClr val="accent1"/>
+          </a:fillRef>
+          <a:effectRef idx="0">
+            <a:schemeClr val="accent1"/>
+          </a:effectRef>
+          <a:fontRef idx="minor">
+            <a:schemeClr val="lt1"/>
+          </a:fontRef>
+        </p:style>
+        <p:txBody>
+          <a:bodyPr rtlCol="0" anchor="ctr"/>
+          <a:lstStyle/>
+          <a:p>
+            <a:pPr algn="ctr"/>
+            <a:r>
+              <a:rPr lang="zh-CN" altLang="en-US" dirty="0" smtClean="0"/>
+              <a:t>退出</a:t>
+            </a:r>
+            <a:endParaRPr lang="zh-CN" altLang="en-US" dirty="0"/>
+          </a:p>
+        </p:txBody>
+      </p:sp>
+      <p:sp>
+        <p:nvSpPr>
+          <p:cNvPr id="10" name="矩形 9"/>
+          <p:cNvSpPr/>
+          <p:nvPr/>
+        </p:nvSpPr>
+        <p:spPr>
+          <a:xfrm>
+            <a:off x="179512" y="1565176"/>
+            <a:ext cx="1296143" cy="288032"/>
+          </a:xfrm>
+          <a:prstGeom prst="rect">
+            <a:avLst/>
+          </a:prstGeom>
+          <a:solidFill>
+            <a:schemeClr val="accent1">
+              <a:alpha val="39000"/>
+            </a:schemeClr>
+          </a:solidFill>
+          <a:ln>
+            <a:noFill/>
+          </a:ln>
+        </p:spPr>
+        <p:style>
+          <a:lnRef idx="2">
+            <a:schemeClr val="accent1">
+              <a:shade val="50000"/>
+            </a:schemeClr>
+          </a:lnRef>
+          <a:fillRef idx="1">
+            <a:schemeClr val="accent1"/>
+          </a:fillRef>
+          <a:effectRef idx="0">
+            <a:schemeClr val="accent1"/>
+          </a:effectRef>
+          <a:fontRef idx="minor">
+            <a:schemeClr val="lt1"/>
+          </a:fontRef>
+        </p:style>
+        <p:txBody>
+          <a:bodyPr rtlCol="0" anchor="ctr"/>
+          <a:lstStyle/>
+          <a:p>
+            <a:pPr algn="r"/>
+            <a:r>
+              <a:rPr lang="zh-CN" altLang="en-US" sz="1400" dirty="0" smtClean="0"/>
+              <a:t>添加模版</a:t>
+            </a:r>
+            <a:endParaRPr lang="zh-CN" altLang="en-US" sz="1400" dirty="0"/>
+          </a:p>
+        </p:txBody>
+      </p:sp>
+      <p:sp>
+        <p:nvSpPr>
+          <p:cNvPr id="11" name="矩形 10"/>
+          <p:cNvSpPr/>
+          <p:nvPr/>
+        </p:nvSpPr>
+        <p:spPr>
+          <a:xfrm>
+            <a:off x="179512" y="1844824"/>
+            <a:ext cx="1296143" cy="288032"/>
+          </a:xfrm>
+          <a:prstGeom prst="rect">
+            <a:avLst/>
+          </a:prstGeom>
+          <a:solidFill>
+            <a:schemeClr val="accent1">
+              <a:alpha val="39000"/>
+            </a:schemeClr>
+          </a:solidFill>
+          <a:ln>
+            <a:noFill/>
+          </a:ln>
+        </p:spPr>
+        <p:style>
+          <a:lnRef idx="2">
+            <a:schemeClr val="accent1">
+              <a:shade val="50000"/>
+            </a:schemeClr>
+          </a:lnRef>
+          <a:fillRef idx="1">
+            <a:schemeClr val="accent1"/>
+          </a:fillRef>
+          <a:effectRef idx="0">
+            <a:schemeClr val="accent1"/>
+          </a:effectRef>
+          <a:fontRef idx="minor">
+            <a:schemeClr val="lt1"/>
+          </a:fontRef>
+        </p:style>
+        <p:txBody>
+          <a:bodyPr rtlCol="0" anchor="ctr"/>
+          <a:lstStyle/>
+          <a:p>
+            <a:pPr algn="r"/>
+            <a:r>
+              <a:rPr lang="zh-CN" altLang="en-US" sz="1400" dirty="0" smtClean="0"/>
+              <a:t>修改模版</a:t>
+            </a:r>
+            <a:endParaRPr lang="zh-CN" altLang="en-US" sz="1400" dirty="0"/>
+          </a:p>
+        </p:txBody>
+      </p:sp>
+      <p:sp>
+        <p:nvSpPr>
+          <p:cNvPr id="12" name="矩形 11"/>
+          <p:cNvSpPr/>
+          <p:nvPr/>
+        </p:nvSpPr>
+        <p:spPr>
+          <a:xfrm>
+            <a:off x="251520" y="2132856"/>
+            <a:ext cx="1368151" cy="288032"/>
+          </a:xfrm>
+          <a:prstGeom prst="rect">
+            <a:avLst/>
+          </a:prstGeom>
+          <a:solidFill>
+            <a:schemeClr val="accent1">
+              <a:alpha val="39000"/>
+            </a:schemeClr>
+          </a:solidFill>
+          <a:ln>
+            <a:noFill/>
+          </a:ln>
+        </p:spPr>
+        <p:style>
+          <a:lnRef idx="2">
+            <a:schemeClr val="accent1">
+              <a:shade val="50000"/>
+            </a:schemeClr>
+          </a:lnRef>
+          <a:fillRef idx="1">
+            <a:schemeClr val="accent1"/>
+          </a:fillRef>
+          <a:effectRef idx="0">
+            <a:schemeClr val="accent1"/>
+          </a:effectRef>
+          <a:fontRef idx="minor">
+            <a:schemeClr val="lt1"/>
+          </a:fontRef>
+        </p:style>
+        <p:txBody>
+          <a:bodyPr rtlCol="0" anchor="ctr"/>
+          <a:lstStyle/>
+          <a:p>
+            <a:pPr algn="r"/>
+            <a:r>
+              <a:rPr lang="zh-CN" altLang="en-US" sz="1400" dirty="0" smtClean="0"/>
+              <a:t>提交</a:t>
+            </a:r>
+            <a:endParaRPr lang="zh-CN" altLang="en-US" sz="1400" dirty="0"/>
+          </a:p>
+        </p:txBody>
+      </p:sp>
+      <p:sp>
+        <p:nvSpPr>
+          <p:cNvPr id="13" name="矩形 12"/>
+          <p:cNvSpPr/>
+          <p:nvPr/>
+        </p:nvSpPr>
+        <p:spPr>
+          <a:xfrm>
+            <a:off x="179512" y="2417698"/>
+            <a:ext cx="1296143" cy="288032"/>
+          </a:xfrm>
+          <a:prstGeom prst="rect">
+            <a:avLst/>
+          </a:prstGeom>
+          <a:solidFill>
+            <a:schemeClr val="accent1">
+              <a:alpha val="39000"/>
+            </a:schemeClr>
+          </a:solidFill>
+          <a:ln>
+            <a:noFill/>
+          </a:ln>
+        </p:spPr>
+        <p:style>
+          <a:lnRef idx="2">
+            <a:schemeClr val="accent1">
+              <a:shade val="50000"/>
+            </a:schemeClr>
+          </a:lnRef>
+          <a:fillRef idx="1">
+            <a:schemeClr val="accent1"/>
+          </a:fillRef>
+          <a:effectRef idx="0">
+            <a:schemeClr val="accent1"/>
+          </a:effectRef>
+          <a:fontRef idx="minor">
+            <a:schemeClr val="lt1"/>
+          </a:fontRef>
+        </p:style>
+        <p:txBody>
+          <a:bodyPr rtlCol="0" anchor="ctr"/>
+          <a:lstStyle/>
+          <a:p>
+            <a:pPr algn="r"/>
+            <a:r>
+              <a:rPr lang="zh-CN" altLang="en-US" sz="1400" dirty="0" smtClean="0"/>
+              <a:t>删除模版</a:t>
+            </a:r>
+            <a:endParaRPr lang="zh-CN" altLang="en-US" sz="1400" dirty="0"/>
+          </a:p>
+        </p:txBody>
+      </p:sp>
+      <p:sp>
+        <p:nvSpPr>
+          <p:cNvPr id="14" name="矩形 13"/>
+          <p:cNvSpPr/>
+          <p:nvPr/>
+        </p:nvSpPr>
+        <p:spPr>
+          <a:xfrm>
+            <a:off x="1547664" y="1268760"/>
+            <a:ext cx="7488831" cy="6192688"/>
+          </a:xfrm>
+          <a:prstGeom prst="rect">
+            <a:avLst/>
+          </a:prstGeom>
+          <a:solidFill>
+            <a:schemeClr val="accent1">
+              <a:alpha val="39000"/>
+            </a:schemeClr>
+          </a:solidFill>
+          <a:ln>
+            <a:noFill/>
+          </a:ln>
+        </p:spPr>
+        <p:style>
+          <a:lnRef idx="2">
+            <a:schemeClr val="accent1">
+              <a:shade val="50000"/>
+            </a:schemeClr>
+          </a:lnRef>
+          <a:fillRef idx="1">
+            <a:schemeClr val="accent1"/>
+          </a:fillRef>
+          <a:effectRef idx="0">
+            <a:schemeClr val="accent1"/>
+          </a:effectRef>
+          <a:fontRef idx="minor">
+            <a:schemeClr val="lt1"/>
+          </a:fontRef>
+        </p:style>
+        <p:txBody>
+          <a:bodyPr rtlCol="0" anchor="ctr"/>
+          <a:lstStyle/>
+          <a:p>
+            <a:pPr algn="ctr"/>
+            <a:endParaRPr lang="zh-CN" altLang="en-US" dirty="0"/>
+          </a:p>
+        </p:txBody>
+      </p:sp>
+      <p:sp>
+        <p:nvSpPr>
+          <p:cNvPr id="15" name="矩形 14"/>
+          <p:cNvSpPr/>
+          <p:nvPr/>
+        </p:nvSpPr>
+        <p:spPr>
+          <a:xfrm>
+            <a:off x="1930606" y="1522443"/>
+            <a:ext cx="6817857" cy="1402501"/>
+          </a:xfrm>
+          <a:prstGeom prst="rect">
+            <a:avLst/>
+          </a:prstGeom>
+          <a:solidFill>
+            <a:schemeClr val="accent1">
+              <a:alpha val="39000"/>
+            </a:schemeClr>
+          </a:solidFill>
+          <a:ln>
+            <a:noFill/>
+          </a:ln>
+        </p:spPr>
+        <p:style>
+          <a:lnRef idx="2">
+            <a:schemeClr val="accent1">
+              <a:shade val="50000"/>
+            </a:schemeClr>
+          </a:lnRef>
+          <a:fillRef idx="1">
+            <a:schemeClr val="accent1"/>
+          </a:fillRef>
+          <a:effectRef idx="0">
+            <a:schemeClr val="accent1"/>
+          </a:effectRef>
+          <a:fontRef idx="minor">
+            <a:schemeClr val="lt1"/>
+          </a:fontRef>
+        </p:style>
+        <p:txBody>
+          <a:bodyPr rtlCol="0" anchor="ctr"/>
+          <a:lstStyle/>
+          <a:p>
+            <a:endParaRPr lang="zh-CN" altLang="en-US" sz="1400" dirty="0"/>
+          </a:p>
+        </p:txBody>
+      </p:sp>
+      <p:sp>
+        <p:nvSpPr>
+          <p:cNvPr id="16" name="矩形 15"/>
+          <p:cNvSpPr/>
+          <p:nvPr/>
+        </p:nvSpPr>
+        <p:spPr>
+          <a:xfrm>
+            <a:off x="1930606" y="3068960"/>
+            <a:ext cx="6817857" cy="3384376"/>
+          </a:xfrm>
+          <a:prstGeom prst="rect">
+            <a:avLst/>
+          </a:prstGeom>
+          <a:solidFill>
+            <a:schemeClr val="accent1">
+              <a:alpha val="39000"/>
+            </a:schemeClr>
+          </a:solidFill>
+          <a:ln>
+            <a:noFill/>
+          </a:ln>
+        </p:spPr>
+        <p:style>
+          <a:lnRef idx="2">
+            <a:schemeClr val="accent1">
+              <a:shade val="50000"/>
+            </a:schemeClr>
+          </a:lnRef>
+          <a:fillRef idx="1">
+            <a:schemeClr val="accent1"/>
+          </a:fillRef>
+          <a:effectRef idx="0">
+            <a:schemeClr val="accent1"/>
+          </a:effectRef>
+          <a:fontRef idx="minor">
+            <a:schemeClr val="lt1"/>
+          </a:fontRef>
+        </p:style>
+        <p:txBody>
+          <a:bodyPr rtlCol="0" anchor="ctr"/>
+          <a:lstStyle/>
+          <a:p>
+            <a:endParaRPr lang="zh-CN" altLang="en-US" sz="1400" dirty="0"/>
+          </a:p>
+        </p:txBody>
+      </p:sp>
+      <p:sp>
+        <p:nvSpPr>
+          <p:cNvPr id="17" name="矩形 16"/>
+          <p:cNvSpPr/>
+          <p:nvPr/>
+        </p:nvSpPr>
+        <p:spPr>
+          <a:xfrm>
+            <a:off x="7661670" y="6665402"/>
+            <a:ext cx="1080119" cy="341040"/>
+          </a:xfrm>
+          <a:prstGeom prst="rect">
+            <a:avLst/>
+          </a:prstGeom>
+          <a:solidFill>
+            <a:schemeClr val="accent1">
+              <a:alpha val="39000"/>
+            </a:schemeClr>
+          </a:solidFill>
+          <a:ln>
+            <a:noFill/>
+          </a:ln>
+        </p:spPr>
+        <p:style>
+          <a:lnRef idx="2">
+            <a:schemeClr val="accent1">
+              <a:shade val="50000"/>
+            </a:schemeClr>
+          </a:lnRef>
+          <a:fillRef idx="1">
+            <a:schemeClr val="accent1"/>
+          </a:fillRef>
+          <a:effectRef idx="0">
+            <a:schemeClr val="accent1"/>
+          </a:effectRef>
+          <a:fontRef idx="minor">
+            <a:schemeClr val="lt1"/>
+          </a:fontRef>
+        </p:style>
+        <p:txBody>
+          <a:bodyPr rtlCol="0" anchor="ctr"/>
+          <a:lstStyle/>
+          <a:p>
+            <a:pPr algn="ctr"/>
+            <a:r>
+              <a:rPr lang="zh-CN" altLang="en-US" sz="1400" dirty="0" smtClean="0"/>
+              <a:t>提交</a:t>
+            </a:r>
+            <a:endParaRPr lang="zh-CN" altLang="en-US" sz="1400" dirty="0"/>
+          </a:p>
+        </p:txBody>
+      </p:sp>
+      <p:sp>
+        <p:nvSpPr>
+          <p:cNvPr id="18" name="矩形 17"/>
+          <p:cNvSpPr/>
+          <p:nvPr/>
+        </p:nvSpPr>
+        <p:spPr>
+          <a:xfrm>
+            <a:off x="2002614" y="1565176"/>
+            <a:ext cx="2353362" cy="315440"/>
+          </a:xfrm>
+          <a:prstGeom prst="rect">
+            <a:avLst/>
+          </a:prstGeom>
+          <a:solidFill>
+            <a:schemeClr val="accent1">
+              <a:alpha val="39000"/>
+            </a:schemeClr>
+          </a:solidFill>
+          <a:ln>
+            <a:noFill/>
+          </a:ln>
+        </p:spPr>
+        <p:style>
+          <a:lnRef idx="2">
+            <a:schemeClr val="accent1">
+              <a:shade val="50000"/>
+            </a:schemeClr>
+          </a:lnRef>
+          <a:fillRef idx="1">
+            <a:schemeClr val="accent1"/>
+          </a:fillRef>
+          <a:effectRef idx="0">
+            <a:schemeClr val="accent1"/>
+          </a:effectRef>
+          <a:fontRef idx="minor">
+            <a:schemeClr val="lt1"/>
+          </a:fontRef>
+        </p:style>
+        <p:txBody>
+          <a:bodyPr rtlCol="0" anchor="ctr"/>
+          <a:lstStyle/>
+          <a:p>
+            <a:r>
+              <a:rPr lang="zh-CN" altLang="en-US" sz="1400" dirty="0" smtClean="0">
+                <a:solidFill>
+                  <a:schemeClr val="bg1">
+                    <a:lumMod val="75000"/>
+                  </a:schemeClr>
+                </a:solidFill>
+              </a:rPr>
+              <a:t>开票日期：</a:t>
+            </a:r>
+            <a:r>
+              <a:rPr lang="en-US" altLang="zh-CN" sz="1400" dirty="0" smtClean="0">
+                <a:solidFill>
+                  <a:schemeClr val="bg1">
+                    <a:lumMod val="75000"/>
+                  </a:schemeClr>
+                </a:solidFill>
+              </a:rPr>
+              <a:t>2010/11/17</a:t>
+            </a:r>
+            <a:endParaRPr lang="zh-CN" altLang="en-US" sz="1400" dirty="0">
+              <a:solidFill>
+                <a:schemeClr val="bg1">
+                  <a:lumMod val="75000"/>
+                </a:schemeClr>
+              </a:solidFill>
+            </a:endParaRPr>
+          </a:p>
+        </p:txBody>
+      </p:sp>
+      <p:sp>
+        <p:nvSpPr>
+          <p:cNvPr id="19" name="矩形 18"/>
+          <p:cNvSpPr/>
+          <p:nvPr/>
+        </p:nvSpPr>
+        <p:spPr>
+          <a:xfrm>
+            <a:off x="2002614" y="2019598"/>
+            <a:ext cx="2353362" cy="315440"/>
+          </a:xfrm>
+          <a:prstGeom prst="rect">
+            <a:avLst/>
+          </a:prstGeom>
+          <a:solidFill>
+            <a:schemeClr val="accent1">
+              <a:alpha val="39000"/>
+            </a:schemeClr>
+          </a:solidFill>
+          <a:ln>
+            <a:noFill/>
+          </a:ln>
+        </p:spPr>
+        <p:style>
+          <a:lnRef idx="2">
+            <a:schemeClr val="accent1">
+              <a:shade val="50000"/>
+            </a:schemeClr>
+          </a:lnRef>
+          <a:fillRef idx="1">
+            <a:schemeClr val="accent1"/>
+          </a:fillRef>
+          <a:effectRef idx="0">
+            <a:schemeClr val="accent1"/>
+          </a:effectRef>
+          <a:fontRef idx="minor">
+            <a:schemeClr val="lt1"/>
+          </a:fontRef>
+        </p:style>
+        <p:txBody>
+          <a:bodyPr rtlCol="0" anchor="ctr"/>
+          <a:lstStyle/>
+          <a:p>
+            <a:r>
+              <a:rPr lang="zh-CN" altLang="en-US" sz="1400" dirty="0">
+                <a:solidFill>
+                  <a:schemeClr val="bg1">
+                    <a:lumMod val="75000"/>
+                  </a:schemeClr>
+                </a:solidFill>
+              </a:rPr>
+              <a:t>营业执照</a:t>
+            </a:r>
+            <a:r>
+              <a:rPr lang="zh-CN" altLang="en-US" sz="1400" dirty="0" smtClean="0">
+                <a:solidFill>
+                  <a:schemeClr val="bg1">
+                    <a:lumMod val="75000"/>
+                  </a:schemeClr>
+                </a:solidFill>
+              </a:rPr>
+              <a:t>：</a:t>
+            </a:r>
+            <a:r>
+              <a:rPr lang="en-US" altLang="zh-CN" sz="1400" dirty="0" smtClean="0">
+                <a:solidFill>
+                  <a:schemeClr val="bg1">
+                    <a:lumMod val="75000"/>
+                  </a:schemeClr>
+                </a:solidFill>
+              </a:rPr>
+              <a:t>545165165165AS</a:t>
+            </a:r>
+            <a:endParaRPr lang="zh-CN" altLang="en-US" sz="1400" dirty="0">
+              <a:solidFill>
+                <a:schemeClr val="bg1">
+                  <a:lumMod val="75000"/>
+                </a:schemeClr>
+              </a:solidFill>
+            </a:endParaRPr>
+          </a:p>
+        </p:txBody>
+      </p:sp>
+      <p:sp>
+        <p:nvSpPr>
+          <p:cNvPr id="20" name="矩形 19"/>
+          <p:cNvSpPr/>
+          <p:nvPr/>
+        </p:nvSpPr>
+        <p:spPr>
+          <a:xfrm>
+            <a:off x="1985049" y="2504808"/>
+            <a:ext cx="2353362" cy="315440"/>
+          </a:xfrm>
+          <a:prstGeom prst="rect">
+            <a:avLst/>
+          </a:prstGeom>
+          <a:solidFill>
+            <a:schemeClr val="accent1">
+              <a:alpha val="39000"/>
+            </a:schemeClr>
+          </a:solidFill>
+          <a:ln>
+            <a:noFill/>
+          </a:ln>
+        </p:spPr>
+        <p:style>
+          <a:lnRef idx="2">
+            <a:schemeClr val="accent1">
+              <a:shade val="50000"/>
+            </a:schemeClr>
+          </a:lnRef>
+          <a:fillRef idx="1">
+            <a:schemeClr val="accent1"/>
+          </a:fillRef>
+          <a:effectRef idx="0">
+            <a:schemeClr val="accent1"/>
+          </a:effectRef>
+          <a:fontRef idx="minor">
+            <a:schemeClr val="lt1"/>
+          </a:fontRef>
+        </p:style>
+        <p:txBody>
+          <a:bodyPr rtlCol="0" anchor="ctr"/>
+          <a:lstStyle/>
+          <a:p>
+            <a:r>
+              <a:rPr lang="zh-CN" altLang="en-US" sz="1400" dirty="0" smtClean="0">
+                <a:solidFill>
+                  <a:schemeClr val="bg1">
+                    <a:lumMod val="75000"/>
+                  </a:schemeClr>
+                </a:solidFill>
+              </a:rPr>
+              <a:t>收款单位</a:t>
+            </a:r>
+            <a:r>
+              <a:rPr lang="zh-CN" altLang="en-US" sz="1400" dirty="0" smtClean="0">
+                <a:solidFill>
+                  <a:schemeClr val="bg1">
+                    <a:lumMod val="75000"/>
+                  </a:schemeClr>
+                </a:solidFill>
+              </a:rPr>
+              <a:t>：梅六</a:t>
+            </a:r>
+            <a:r>
+              <a:rPr lang="en-US" altLang="zh-CN" sz="1400" dirty="0" smtClean="0">
+                <a:solidFill>
+                  <a:schemeClr val="bg1">
+                    <a:lumMod val="75000"/>
+                  </a:schemeClr>
+                </a:solidFill>
+              </a:rPr>
+              <a:t>327</a:t>
+            </a:r>
+            <a:endParaRPr lang="zh-CN" altLang="en-US" sz="1400" dirty="0">
+              <a:solidFill>
+                <a:schemeClr val="bg1">
+                  <a:lumMod val="75000"/>
+                </a:schemeClr>
+              </a:solidFill>
+            </a:endParaRPr>
+          </a:p>
+        </p:txBody>
+      </p:sp>
+      <p:sp>
+        <p:nvSpPr>
+          <p:cNvPr id="21" name="矩形 20"/>
+          <p:cNvSpPr/>
+          <p:nvPr/>
+        </p:nvSpPr>
+        <p:spPr>
+          <a:xfrm>
+            <a:off x="4644008" y="1572484"/>
+            <a:ext cx="2353362" cy="315440"/>
+          </a:xfrm>
+          <a:prstGeom prst="rect">
+            <a:avLst/>
+          </a:prstGeom>
+          <a:solidFill>
+            <a:schemeClr val="accent1">
+              <a:alpha val="39000"/>
+            </a:schemeClr>
+          </a:solidFill>
+          <a:ln>
+            <a:noFill/>
+          </a:ln>
+        </p:spPr>
+        <p:style>
+          <a:lnRef idx="2">
+            <a:schemeClr val="accent1">
+              <a:shade val="50000"/>
+            </a:schemeClr>
+          </a:lnRef>
+          <a:fillRef idx="1">
+            <a:schemeClr val="accent1"/>
+          </a:fillRef>
+          <a:effectRef idx="0">
+            <a:schemeClr val="accent1"/>
+          </a:effectRef>
+          <a:fontRef idx="minor">
+            <a:schemeClr val="lt1"/>
+          </a:fontRef>
+        </p:style>
+        <p:txBody>
+          <a:bodyPr rtlCol="0" anchor="ctr"/>
+          <a:lstStyle/>
+          <a:p>
+            <a:r>
+              <a:rPr lang="zh-CN" altLang="en-US" sz="1400" dirty="0" smtClean="0">
+                <a:solidFill>
+                  <a:schemeClr val="bg1">
+                    <a:lumMod val="75000"/>
+                  </a:schemeClr>
+                </a:solidFill>
+              </a:rPr>
+              <a:t>行业：</a:t>
+            </a:r>
+            <a:r>
+              <a:rPr lang="zh-CN" altLang="en-US" sz="1400" dirty="0" smtClean="0">
+                <a:solidFill>
+                  <a:schemeClr val="bg1"/>
+                </a:solidFill>
+              </a:rPr>
+              <a:t>餐饮</a:t>
+            </a:r>
+            <a:endParaRPr lang="zh-CN" altLang="en-US" sz="1400" dirty="0">
+              <a:solidFill>
+                <a:schemeClr val="bg1"/>
+              </a:solidFill>
+            </a:endParaRPr>
+          </a:p>
+        </p:txBody>
+      </p:sp>
+      <p:sp>
+        <p:nvSpPr>
+          <p:cNvPr id="22" name="矩形 21"/>
+          <p:cNvSpPr/>
+          <p:nvPr/>
+        </p:nvSpPr>
+        <p:spPr>
+          <a:xfrm>
+            <a:off x="4644008" y="2492896"/>
+            <a:ext cx="2353362" cy="315440"/>
+          </a:xfrm>
+          <a:prstGeom prst="rect">
+            <a:avLst/>
+          </a:prstGeom>
+          <a:solidFill>
+            <a:schemeClr val="accent1">
+              <a:alpha val="39000"/>
+            </a:schemeClr>
+          </a:solidFill>
+          <a:ln>
+            <a:noFill/>
+          </a:ln>
+        </p:spPr>
+        <p:style>
+          <a:lnRef idx="2">
+            <a:schemeClr val="accent1">
+              <a:shade val="50000"/>
+            </a:schemeClr>
+          </a:lnRef>
+          <a:fillRef idx="1">
+            <a:schemeClr val="accent1"/>
+          </a:fillRef>
+          <a:effectRef idx="0">
+            <a:schemeClr val="accent1"/>
+          </a:effectRef>
+          <a:fontRef idx="minor">
+            <a:schemeClr val="lt1"/>
+          </a:fontRef>
+        </p:style>
+        <p:txBody>
+          <a:bodyPr rtlCol="0" anchor="ctr"/>
+          <a:lstStyle/>
+          <a:p>
+            <a:r>
+              <a:rPr lang="zh-CN" altLang="en-US" sz="1400" dirty="0" smtClean="0">
+                <a:solidFill>
+                  <a:schemeClr val="bg1">
+                    <a:lumMod val="75000"/>
+                  </a:schemeClr>
+                </a:solidFill>
+              </a:rPr>
+              <a:t>付款单位</a:t>
+            </a:r>
+            <a:r>
+              <a:rPr lang="en-US" altLang="zh-CN" sz="1400" dirty="0" smtClean="0">
+                <a:solidFill>
+                  <a:schemeClr val="bg1">
+                    <a:lumMod val="75000"/>
+                  </a:schemeClr>
+                </a:solidFill>
+              </a:rPr>
+              <a:t>ID</a:t>
+            </a:r>
+            <a:r>
+              <a:rPr lang="zh-CN" altLang="en-US" sz="1400" dirty="0" smtClean="0">
+                <a:solidFill>
+                  <a:schemeClr val="bg1">
+                    <a:lumMod val="75000"/>
+                  </a:schemeClr>
+                </a:solidFill>
+              </a:rPr>
+              <a:t>：</a:t>
+            </a:r>
+            <a:r>
+              <a:rPr lang="en-US" altLang="zh-CN" sz="1400" dirty="0" smtClean="0">
+                <a:solidFill>
+                  <a:schemeClr val="bg1"/>
+                </a:solidFill>
+              </a:rPr>
+              <a:t>2222</a:t>
+            </a:r>
+            <a:endParaRPr lang="zh-CN" altLang="en-US" sz="1400" dirty="0">
+              <a:solidFill>
+                <a:schemeClr val="bg1"/>
+              </a:solidFill>
+            </a:endParaRPr>
+          </a:p>
+        </p:txBody>
+      </p:sp>
+      <p:sp>
+        <p:nvSpPr>
+          <p:cNvPr id="23" name="等腰三角形 22"/>
+          <p:cNvSpPr/>
+          <p:nvPr/>
+        </p:nvSpPr>
+        <p:spPr>
+          <a:xfrm flipV="1">
+            <a:off x="6804248" y="1618504"/>
+            <a:ext cx="168569" cy="226320"/>
+          </a:xfrm>
+          <a:prstGeom prst="triangle">
+            <a:avLst/>
+          </a:prstGeom>
+        </p:spPr>
+        <p:style>
+          <a:lnRef idx="2">
+            <a:schemeClr val="accent1">
+              <a:shade val="50000"/>
+            </a:schemeClr>
+          </a:lnRef>
+          <a:fillRef idx="1">
+            <a:schemeClr val="accent1"/>
+          </a:fillRef>
+          <a:effectRef idx="0">
+            <a:schemeClr val="accent1"/>
+          </a:effectRef>
+          <a:fontRef idx="minor">
+            <a:schemeClr val="lt1"/>
+          </a:fontRef>
+        </p:style>
+        <p:txBody>
+          <a:bodyPr rtlCol="0" anchor="ctr"/>
+          <a:lstStyle/>
+          <a:p>
+            <a:pPr algn="ctr"/>
+            <a:endParaRPr lang="zh-CN" altLang="en-US"/>
+          </a:p>
+        </p:txBody>
+      </p:sp>
+      <p:sp>
+        <p:nvSpPr>
+          <p:cNvPr id="24" name="矩形 23"/>
+          <p:cNvSpPr/>
+          <p:nvPr/>
+        </p:nvSpPr>
+        <p:spPr>
+          <a:xfrm>
+            <a:off x="7404864" y="6021288"/>
+            <a:ext cx="1176681" cy="315440"/>
+          </a:xfrm>
+          <a:prstGeom prst="rect">
+            <a:avLst/>
+          </a:prstGeom>
+          <a:solidFill>
+            <a:schemeClr val="accent1">
+              <a:alpha val="39000"/>
+            </a:schemeClr>
+          </a:solidFill>
+          <a:ln>
+            <a:noFill/>
+          </a:ln>
+        </p:spPr>
+        <p:style>
+          <a:lnRef idx="2">
+            <a:schemeClr val="accent1">
+              <a:shade val="50000"/>
+            </a:schemeClr>
+          </a:lnRef>
+          <a:fillRef idx="1">
+            <a:schemeClr val="accent1"/>
+          </a:fillRef>
+          <a:effectRef idx="0">
+            <a:schemeClr val="accent1"/>
+          </a:effectRef>
+          <a:fontRef idx="minor">
+            <a:schemeClr val="lt1"/>
+          </a:fontRef>
+        </p:style>
+        <p:txBody>
+          <a:bodyPr rtlCol="0" anchor="ctr"/>
+          <a:lstStyle/>
+          <a:p>
+            <a:r>
+              <a:rPr lang="zh-CN" altLang="en-US" sz="1400" dirty="0" smtClean="0">
+                <a:solidFill>
+                  <a:schemeClr val="bg1">
+                    <a:lumMod val="75000"/>
+                  </a:schemeClr>
+                </a:solidFill>
+              </a:rPr>
+              <a:t>总计：</a:t>
+            </a:r>
+            <a:r>
+              <a:rPr lang="en-US" altLang="zh-CN" sz="1400" dirty="0" smtClean="0">
+                <a:solidFill>
+                  <a:schemeClr val="bg1">
+                    <a:lumMod val="75000"/>
+                  </a:schemeClr>
+                </a:solidFill>
+              </a:rPr>
+              <a:t>100</a:t>
+            </a:r>
+            <a:endParaRPr lang="zh-CN" altLang="en-US" sz="1400" dirty="0">
+              <a:solidFill>
+                <a:schemeClr val="bg1">
+                  <a:lumMod val="75000"/>
+                </a:schemeClr>
+              </a:solidFill>
+            </a:endParaRPr>
+          </a:p>
+        </p:txBody>
+      </p:sp>
+      <p:sp>
+        <p:nvSpPr>
+          <p:cNvPr id="25" name="矩形 24"/>
+          <p:cNvSpPr/>
+          <p:nvPr/>
+        </p:nvSpPr>
+        <p:spPr>
+          <a:xfrm>
+            <a:off x="1930605" y="3072740"/>
+            <a:ext cx="6811183" cy="315440"/>
+          </a:xfrm>
+          <a:prstGeom prst="rect">
+            <a:avLst/>
+          </a:prstGeom>
+          <a:solidFill>
+            <a:schemeClr val="accent1">
+              <a:alpha val="39000"/>
+            </a:schemeClr>
+          </a:solidFill>
+          <a:ln>
+            <a:noFill/>
+          </a:ln>
+        </p:spPr>
+        <p:style>
+          <a:lnRef idx="2">
+            <a:schemeClr val="accent1">
+              <a:shade val="50000"/>
+            </a:schemeClr>
+          </a:lnRef>
+          <a:fillRef idx="1">
+            <a:schemeClr val="accent1"/>
+          </a:fillRef>
+          <a:effectRef idx="0">
+            <a:schemeClr val="accent1"/>
+          </a:effectRef>
+          <a:fontRef idx="minor">
+            <a:schemeClr val="lt1"/>
+          </a:fontRef>
+        </p:style>
+        <p:txBody>
+          <a:bodyPr rtlCol="0" anchor="ctr"/>
+          <a:lstStyle/>
+          <a:p>
+            <a:r>
+              <a:rPr lang="zh-CN" altLang="en-US" sz="1400" dirty="0" smtClean="0">
+                <a:solidFill>
+                  <a:schemeClr val="bg1"/>
+                </a:solidFill>
+              </a:rPr>
+              <a:t>项目</a:t>
+            </a:r>
+            <a:r>
+              <a:rPr lang="en-US" altLang="zh-CN" sz="1400" dirty="0" smtClean="0">
+                <a:solidFill>
+                  <a:schemeClr val="bg1"/>
+                </a:solidFill>
+              </a:rPr>
+              <a:t>		</a:t>
+            </a:r>
+            <a:r>
+              <a:rPr lang="zh-CN" altLang="en-US" sz="1400" dirty="0" smtClean="0">
+                <a:solidFill>
+                  <a:schemeClr val="bg1"/>
+                </a:solidFill>
+              </a:rPr>
+              <a:t>单价</a:t>
+            </a:r>
+            <a:r>
+              <a:rPr lang="en-US" altLang="zh-CN" sz="1400" dirty="0" smtClean="0">
+                <a:solidFill>
+                  <a:schemeClr val="bg1"/>
+                </a:solidFill>
+              </a:rPr>
+              <a:t>		</a:t>
+            </a:r>
+            <a:r>
+              <a:rPr lang="zh-CN" altLang="en-US" sz="1400" dirty="0" smtClean="0">
+                <a:solidFill>
+                  <a:schemeClr val="bg1"/>
+                </a:solidFill>
+              </a:rPr>
+              <a:t>数量</a:t>
+            </a:r>
+            <a:r>
+              <a:rPr lang="en-US" altLang="zh-CN" sz="1400" dirty="0" smtClean="0">
+                <a:solidFill>
+                  <a:schemeClr val="bg1"/>
+                </a:solidFill>
+              </a:rPr>
+              <a:t>		</a:t>
+            </a:r>
+            <a:r>
+              <a:rPr lang="zh-CN" altLang="en-US" sz="1400" dirty="0" smtClean="0">
+                <a:solidFill>
+                  <a:schemeClr val="bg1"/>
+                </a:solidFill>
+              </a:rPr>
+              <a:t>金额</a:t>
+            </a:r>
+            <a:endParaRPr lang="zh-CN" altLang="en-US" sz="1400" dirty="0">
+              <a:solidFill>
+                <a:schemeClr val="bg1"/>
+              </a:solidFill>
+            </a:endParaRPr>
+          </a:p>
+        </p:txBody>
+      </p:sp>
+      <p:sp>
+        <p:nvSpPr>
+          <p:cNvPr id="26" name="矩形 25"/>
+          <p:cNvSpPr/>
+          <p:nvPr/>
+        </p:nvSpPr>
+        <p:spPr>
+          <a:xfrm>
+            <a:off x="1930606" y="3401592"/>
+            <a:ext cx="6811182" cy="315440"/>
+          </a:xfrm>
+          <a:prstGeom prst="rect">
+            <a:avLst/>
+          </a:prstGeom>
+          <a:solidFill>
+            <a:schemeClr val="accent1">
+              <a:alpha val="39000"/>
+            </a:schemeClr>
+          </a:solidFill>
+          <a:ln>
+            <a:noFill/>
+          </a:ln>
+        </p:spPr>
+        <p:style>
+          <a:lnRef idx="2">
+            <a:schemeClr val="accent1">
+              <a:shade val="50000"/>
+            </a:schemeClr>
+          </a:lnRef>
+          <a:fillRef idx="1">
+            <a:schemeClr val="accent1"/>
+          </a:fillRef>
+          <a:effectRef idx="0">
+            <a:schemeClr val="accent1"/>
+          </a:effectRef>
+          <a:fontRef idx="minor">
+            <a:schemeClr val="lt1"/>
+          </a:fontRef>
+        </p:style>
+        <p:txBody>
+          <a:bodyPr rtlCol="0" anchor="ctr"/>
+          <a:lstStyle/>
+          <a:p>
+            <a:r>
+              <a:rPr lang="zh-CN" altLang="en-US" sz="1400" dirty="0" smtClean="0">
+                <a:solidFill>
+                  <a:schemeClr val="bg1">
+                    <a:lumMod val="75000"/>
+                  </a:schemeClr>
+                </a:solidFill>
+              </a:rPr>
+              <a:t>餐饮</a:t>
+            </a:r>
+            <a:r>
+              <a:rPr lang="en-US" altLang="zh-CN" sz="1400" dirty="0" smtClean="0">
+                <a:solidFill>
+                  <a:schemeClr val="bg1">
+                    <a:lumMod val="75000"/>
+                  </a:schemeClr>
+                </a:solidFill>
+              </a:rPr>
+              <a:t>		100		1		100</a:t>
+            </a:r>
+            <a:endParaRPr lang="zh-CN" altLang="en-US" sz="1400" dirty="0">
+              <a:solidFill>
+                <a:schemeClr val="bg1">
+                  <a:lumMod val="75000"/>
+                </a:schemeClr>
+              </a:solidFill>
+            </a:endParaRPr>
+          </a:p>
+        </p:txBody>
+      </p:sp>
+    </p:spTree>
+    <p:extLst>
+      <p:ext uri="{BB962C8B-B14F-4D97-AF65-F5344CB8AC3E}">
+        <p14:creationId xmlns:p14="http://schemas.microsoft.com/office/powerpoint/2010/main" val="2799333790"/>
       </p:ext>
     </p:extLst>
   </p:cSld>
